--- a/Modelo slides apresentação TCC.pptx
+++ b/Modelo slides apresentação TCC.pptx
@@ -5,7 +5,7 @@
     <p:sldMasterId id="2147483648" r:id="rId1"/>
   </p:sldMasterIdLst>
   <p:notesMasterIdLst>
-    <p:notesMasterId r:id="rId13"/>
+    <p:notesMasterId r:id="rId14"/>
   </p:notesMasterIdLst>
   <p:sldIdLst>
     <p:sldId id="256" r:id="rId2"/>
@@ -15,10 +15,11 @@
     <p:sldId id="261" r:id="rId6"/>
     <p:sldId id="262" r:id="rId7"/>
     <p:sldId id="263" r:id="rId8"/>
-    <p:sldId id="264" r:id="rId9"/>
-    <p:sldId id="265" r:id="rId10"/>
-    <p:sldId id="266" r:id="rId11"/>
-    <p:sldId id="267" r:id="rId12"/>
+    <p:sldId id="268" r:id="rId9"/>
+    <p:sldId id="264" r:id="rId10"/>
+    <p:sldId id="265" r:id="rId11"/>
+    <p:sldId id="266" r:id="rId12"/>
+    <p:sldId id="267" r:id="rId13"/>
   </p:sldIdLst>
   <p:sldSz cx="12192000" cy="6858000"/>
   <p:notesSz cx="6858000" cy="9144000"/>
@@ -3972,6 +3973,250 @@
           <a:p>
             <a:r>
               <a:rPr lang="pt-BR" sz="4800" dirty="0"/>
+              <a:t>CONCLUSÃO</a:t>
+            </a:r>
+          </a:p>
+        </p:txBody>
+      </p:sp>
+      <p:sp>
+        <p:nvSpPr>
+          <p:cNvPr id="3" name="Subtítulo 2">
+            <a:extLst>
+              <a:ext uri="{FF2B5EF4-FFF2-40B4-BE49-F238E27FC236}">
+                <a16:creationId xmlns:a16="http://schemas.microsoft.com/office/drawing/2014/main" id="{D925F25B-ABDD-439F-B7AE-9A79A3FDC1CE}"/>
+              </a:ext>
+            </a:extLst>
+          </p:cNvPr>
+          <p:cNvSpPr>
+            <a:spLocks noGrp="1"/>
+          </p:cNvSpPr>
+          <p:nvPr>
+            <p:ph type="subTitle" idx="1"/>
+          </p:nvPr>
+        </p:nvSpPr>
+        <p:spPr>
+          <a:xfrm>
+            <a:off x="1580113" y="3139144"/>
+            <a:ext cx="9750495" cy="2307499"/>
+          </a:xfrm>
+        </p:spPr>
+        <p:txBody>
+          <a:bodyPr>
+            <a:normAutofit/>
+          </a:bodyPr>
+          <a:lstStyle/>
+          <a:p>
+            <a:pPr marL="457200" indent="-457200" algn="l">
+              <a:buFontTx/>
+              <a:buChar char="-"/>
+            </a:pPr>
+            <a:r>
+              <a:rPr lang="pt-BR" sz="3200" dirty="0"/>
+              <a:t>RETOMADA DOS OBJETIVOS E SE FORAM ALCANÇADOS</a:t>
+            </a:r>
+          </a:p>
+          <a:p>
+            <a:pPr marL="457200" indent="-457200" algn="l">
+              <a:buFontTx/>
+              <a:buChar char="-"/>
+            </a:pPr>
+            <a:r>
+              <a:rPr lang="pt-BR" sz="3200" dirty="0"/>
+              <a:t>CONSIDERAÇÕES FINAIS</a:t>
+            </a:r>
+          </a:p>
+          <a:p>
+            <a:pPr marL="457200" indent="-457200" algn="l">
+              <a:buFontTx/>
+              <a:buChar char="-"/>
+            </a:pPr>
+            <a:r>
+              <a:rPr lang="pt-BR" sz="3200" dirty="0"/>
+              <a:t>SUGESTÕES PARA TRABALHOS FUTUROS</a:t>
+            </a:r>
+          </a:p>
+        </p:txBody>
+      </p:sp>
+      <p:pic>
+        <p:nvPicPr>
+          <p:cNvPr id="4" name="Imagem 3">
+            <a:extLst>
+              <a:ext uri="{FF2B5EF4-FFF2-40B4-BE49-F238E27FC236}">
+                <a16:creationId xmlns:a16="http://schemas.microsoft.com/office/drawing/2014/main" id="{4DE49855-8442-4D60-81FD-DFE2DB045AC2}"/>
+              </a:ext>
+            </a:extLst>
+          </p:cNvPr>
+          <p:cNvPicPr/>
+          <p:nvPr/>
+        </p:nvPicPr>
+        <p:blipFill>
+          <a:blip r:embed="rId2">
+            <a:extLst>
+              <a:ext uri="{28A0092B-C50C-407E-A947-70E740481C1C}">
+                <a14:useLocalDpi xmlns:a14="http://schemas.microsoft.com/office/drawing/2010/main" val="0"/>
+              </a:ext>
+            </a:extLst>
+          </a:blip>
+          <a:srcRect/>
+          <a:stretch>
+            <a:fillRect/>
+          </a:stretch>
+        </p:blipFill>
+        <p:spPr bwMode="auto">
+          <a:xfrm>
+            <a:off x="901148" y="207031"/>
+            <a:ext cx="1958215" cy="977900"/>
+          </a:xfrm>
+          <a:prstGeom prst="rect">
+            <a:avLst/>
+          </a:prstGeom>
+          <a:noFill/>
+          <a:ln>
+            <a:noFill/>
+          </a:ln>
+        </p:spPr>
+      </p:pic>
+      <p:pic>
+        <p:nvPicPr>
+          <p:cNvPr id="5" name="Imagem 4">
+            <a:extLst>
+              <a:ext uri="{FF2B5EF4-FFF2-40B4-BE49-F238E27FC236}">
+                <a16:creationId xmlns:a16="http://schemas.microsoft.com/office/drawing/2014/main" id="{00EB44F1-66E6-49A0-94D9-09FA009430BD}"/>
+              </a:ext>
+            </a:extLst>
+          </p:cNvPr>
+          <p:cNvPicPr/>
+          <p:nvPr/>
+        </p:nvPicPr>
+        <p:blipFill>
+          <a:blip r:embed="rId3">
+            <a:extLst>
+              <a:ext uri="{28A0092B-C50C-407E-A947-70E740481C1C}">
+                <a14:useLocalDpi xmlns:a14="http://schemas.microsoft.com/office/drawing/2010/main" val="0"/>
+              </a:ext>
+            </a:extLst>
+          </a:blip>
+          <a:stretch>
+            <a:fillRect/>
+          </a:stretch>
+        </p:blipFill>
+        <p:spPr>
+          <a:xfrm>
+            <a:off x="8481392" y="273982"/>
+            <a:ext cx="3142076" cy="852210"/>
+          </a:xfrm>
+          <a:prstGeom prst="rect">
+            <a:avLst/>
+          </a:prstGeom>
+        </p:spPr>
+      </p:pic>
+      <p:pic>
+        <p:nvPicPr>
+          <p:cNvPr id="6" name="Picture 2" descr="Estatuto - Congregação Cristã no Brasil">
+            <a:extLst>
+              <a:ext uri="{FF2B5EF4-FFF2-40B4-BE49-F238E27FC236}">
+                <a16:creationId xmlns:a16="http://schemas.microsoft.com/office/drawing/2014/main" id="{135A5182-B55A-4131-ADA2-BBE7AF9BE082}"/>
+              </a:ext>
+            </a:extLst>
+          </p:cNvPr>
+          <p:cNvPicPr>
+            <a:picLocks noChangeAspect="1" noChangeArrowheads="1"/>
+          </p:cNvPicPr>
+          <p:nvPr/>
+        </p:nvPicPr>
+        <p:blipFill>
+          <a:blip r:embed="rId4">
+            <a:extLst>
+              <a:ext uri="{28A0092B-C50C-407E-A947-70E740481C1C}">
+                <a14:useLocalDpi xmlns:a14="http://schemas.microsoft.com/office/drawing/2010/main" val="0"/>
+              </a:ext>
+            </a:extLst>
+          </a:blip>
+          <a:srcRect/>
+          <a:stretch>
+            <a:fillRect/>
+          </a:stretch>
+        </p:blipFill>
+        <p:spPr bwMode="auto">
+          <a:xfrm>
+            <a:off x="4838269" y="207031"/>
+            <a:ext cx="2435948" cy="1235129"/>
+          </a:xfrm>
+          <a:prstGeom prst="rect">
+            <a:avLst/>
+          </a:prstGeom>
+          <a:noFill/>
+          <a:extLst>
+            <a:ext uri="{909E8E84-426E-40DD-AFC4-6F175D3DCCD1}">
+              <a14:hiddenFill xmlns:a14="http://schemas.microsoft.com/office/drawing/2010/main">
+                <a:solidFill>
+                  <a:srgbClr val="FFFFFF"/>
+                </a:solidFill>
+              </a14:hiddenFill>
+            </a:ext>
+          </a:extLst>
+        </p:spPr>
+      </p:pic>
+    </p:spTree>
+    <p:extLst>
+      <p:ext uri="{BB962C8B-B14F-4D97-AF65-F5344CB8AC3E}">
+        <p14:creationId xmlns:p14="http://schemas.microsoft.com/office/powerpoint/2010/main" val="1325944170"/>
+      </p:ext>
+    </p:extLst>
+  </p:cSld>
+  <p:clrMapOvr>
+    <a:masterClrMapping/>
+  </p:clrMapOvr>
+</p:sld>
+</file>
+
+<file path=ppt/slides/slide11.xml><?xml version="1.0" encoding="utf-8"?>
+<p:sld xmlns:a="http://schemas.openxmlformats.org/drawingml/2006/main" xmlns:r="http://schemas.openxmlformats.org/officeDocument/2006/relationships" xmlns:p="http://schemas.openxmlformats.org/presentationml/2006/main">
+  <p:cSld>
+    <p:spTree>
+      <p:nvGrpSpPr>
+        <p:cNvPr id="1" name=""/>
+        <p:cNvGrpSpPr/>
+        <p:nvPr/>
+      </p:nvGrpSpPr>
+      <p:grpSpPr>
+        <a:xfrm>
+          <a:off x="0" y="0"/>
+          <a:ext cx="0" cy="0"/>
+          <a:chOff x="0" y="0"/>
+          <a:chExt cx="0" cy="0"/>
+        </a:xfrm>
+      </p:grpSpPr>
+      <p:sp>
+        <p:nvSpPr>
+          <p:cNvPr id="2" name="Título 1">
+            <a:extLst>
+              <a:ext uri="{FF2B5EF4-FFF2-40B4-BE49-F238E27FC236}">
+                <a16:creationId xmlns:a16="http://schemas.microsoft.com/office/drawing/2014/main" id="{5E447ACB-E7DF-4BBE-AC44-A1AC9F22CAC8}"/>
+              </a:ext>
+            </a:extLst>
+          </p:cNvPr>
+          <p:cNvSpPr>
+            <a:spLocks noGrp="1"/>
+          </p:cNvSpPr>
+          <p:nvPr>
+            <p:ph type="ctrTitle"/>
+          </p:nvPr>
+        </p:nvSpPr>
+        <p:spPr>
+          <a:xfrm>
+            <a:off x="1580113" y="2024615"/>
+            <a:ext cx="9144000" cy="852211"/>
+          </a:xfrm>
+        </p:spPr>
+        <p:txBody>
+          <a:bodyPr>
+            <a:noAutofit/>
+          </a:bodyPr>
+          <a:lstStyle/>
+          <a:p>
+            <a:r>
+              <a:rPr lang="pt-BR" sz="4800" dirty="0"/>
               <a:t>REFERÊNCIAS</a:t>
             </a:r>
           </a:p>
@@ -4149,7 +4394,7 @@
 </p:sld>
 </file>
 
-<file path=ppt/slides/slide11.xml><?xml version="1.0" encoding="utf-8"?>
+<file path=ppt/slides/slide12.xml><?xml version="1.0" encoding="utf-8"?>
 <p:sld xmlns:a="http://schemas.openxmlformats.org/drawingml/2006/main" xmlns:r="http://schemas.openxmlformats.org/officeDocument/2006/relationships" xmlns:p="http://schemas.openxmlformats.org/presentationml/2006/main">
   <p:cSld>
     <p:spTree>
@@ -5335,8 +5580,8 @@
         </p:nvSpPr>
         <p:spPr bwMode="auto">
           <a:xfrm>
-            <a:off x="1580113" y="2961676"/>
-            <a:ext cx="8822843" cy="2031325"/>
+            <a:off x="1580114" y="2712662"/>
+            <a:ext cx="8822843" cy="3046988"/>
           </a:xfrm>
           <a:prstGeom prst="rect">
             <a:avLst/>
@@ -5384,7 +5629,7 @@
           </a:bodyPr>
           <a:lstStyle/>
           <a:p>
-            <a:pPr marL="0" marR="0" lvl="0" indent="0" algn="l" defTabSz="914400" rtl="0" eaLnBrk="0" fontAlgn="base" latinLnBrk="0" hangingPunct="0">
+            <a:pPr marL="342900" marR="0" lvl="0" indent="-342900" algn="l" defTabSz="914400" rtl="0" eaLnBrk="0" fontAlgn="base" latinLnBrk="0" hangingPunct="0">
               <a:lnSpc>
                 <a:spcPct val="100000"/>
               </a:lnSpc>
@@ -5396,12 +5641,12 @@
               </a:spcAft>
               <a:buClrTx/>
               <a:buSzTx/>
-              <a:buFontTx/>
+              <a:buFont typeface="Arial" panose="020B0604020202020204" pitchFamily="34" charset="0"/>
               <a:buChar char="•"/>
               <a:tabLst/>
             </a:pPr>
             <a:r>
-              <a:rPr kumimoji="0" lang="pt-BR" altLang="pt-BR" sz="1800" b="0" i="1" u="none" strike="noStrike" cap="none" normalizeH="0" baseline="0" dirty="0">
+              <a:rPr kumimoji="0" lang="pt-BR" altLang="pt-BR" sz="2000" i="1" u="none" strike="noStrike" cap="none" normalizeH="0" baseline="0" dirty="0">
                 <a:ln>
                   <a:noFill/>
                 </a:ln>
@@ -5409,12 +5654,11 @@
                   <a:schemeClr val="tx1"/>
                 </a:solidFill>
                 <a:effectLst/>
-                <a:latin typeface="Arial" panose="020B0604020202020204" pitchFamily="34" charset="0"/>
               </a:rPr>
-              <a:t>Scheilla D’</a:t>
-            </a:r>
-            <a:r>
-              <a:rPr kumimoji="0" lang="pt-BR" altLang="pt-BR" sz="1800" b="0" i="1" u="none" strike="noStrike" cap="none" normalizeH="0" baseline="0" dirty="0" err="1">
+              <a:t>Universidade de São Paulo (USP)</a:t>
+            </a:r>
+            <a:r>
+              <a:rPr kumimoji="0" lang="pt-BR" altLang="pt-BR" sz="2000" i="0" u="none" strike="noStrike" cap="none" normalizeH="0" baseline="0" dirty="0">
                 <a:ln>
                   <a:noFill/>
                 </a:ln>
@@ -5422,39 +5666,13 @@
                   <a:schemeClr val="tx1"/>
                 </a:solidFill>
                 <a:effectLst/>
-                <a:latin typeface="Arial" panose="020B0604020202020204" pitchFamily="34" charset="0"/>
               </a:rPr>
-              <a:t>Espíndula</a:t>
-            </a:r>
-            <a:r>
-              <a:rPr kumimoji="0" lang="pt-BR" altLang="pt-BR" sz="1800" b="0" i="1" u="none" strike="noStrike" cap="none" normalizeH="0" baseline="0" dirty="0">
-                <a:ln>
-                  <a:noFill/>
-                </a:ln>
-                <a:solidFill>
-                  <a:schemeClr val="tx1"/>
-                </a:solidFill>
-                <a:effectLst/>
-                <a:latin typeface="Arial" panose="020B0604020202020204" pitchFamily="34" charset="0"/>
-              </a:rPr>
-              <a:t> de Oliveira (2008)</a:t>
-            </a:r>
-            <a:r>
-              <a:rPr kumimoji="0" lang="pt-BR" altLang="pt-BR" sz="1800" b="0" i="0" u="none" strike="noStrike" cap="none" normalizeH="0" baseline="0" dirty="0">
-                <a:ln>
-                  <a:noFill/>
-                </a:ln>
-                <a:solidFill>
-                  <a:schemeClr val="tx1"/>
-                </a:solidFill>
-                <a:effectLst/>
-                <a:latin typeface="Arial" panose="020B0604020202020204" pitchFamily="34" charset="0"/>
-              </a:rPr>
-              <a:t> – Destaca o papel essencial das ferramentas tecnológicas na organização, disseminação de informações e gestão do conhecimento dentro de instituições.</a:t>
-            </a:r>
-          </a:p>
-          <a:p>
-            <a:pPr marL="0" marR="0" lvl="0" indent="0" algn="l" defTabSz="914400" rtl="0" eaLnBrk="0" fontAlgn="base" latinLnBrk="0" hangingPunct="0">
+              <a:t> – Aponta que a TI é indispensável para a modernização e eficiência de processos administrativos, inclusive em instituições educacionais e religiosas.</a:t>
+            </a:r>
+            <a:endParaRPr lang="pt-BR" altLang="pt-BR" sz="2000" dirty="0"/>
+          </a:p>
+          <a:p>
+            <a:pPr marL="342900" marR="0" lvl="0" indent="-342900" algn="l" defTabSz="914400" rtl="0" eaLnBrk="0" fontAlgn="base" latinLnBrk="0" hangingPunct="0">
               <a:lnSpc>
                 <a:spcPct val="100000"/>
               </a:lnSpc>
@@ -5466,23 +5684,41 @@
               </a:spcAft>
               <a:buClrTx/>
               <a:buSzTx/>
-              <a:buFontTx/>
+              <a:buFont typeface="Arial" panose="020B0604020202020204" pitchFamily="34" charset="0"/>
               <a:buChar char="•"/>
               <a:tabLst/>
             </a:pPr>
-            <a:endParaRPr kumimoji="0" lang="pt-BR" altLang="pt-BR" sz="1800" b="0" i="0" u="none" strike="noStrike" cap="none" normalizeH="0" baseline="0" dirty="0">
-              <a:ln>
-                <a:noFill/>
-              </a:ln>
-              <a:solidFill>
-                <a:schemeClr val="tx1"/>
-              </a:solidFill>
-              <a:effectLst/>
-              <a:latin typeface="Arial" panose="020B0604020202020204" pitchFamily="34" charset="0"/>
-            </a:endParaRPr>
-          </a:p>
-          <a:p>
-            <a:pPr marL="0" marR="0" lvl="0" indent="0" algn="l" defTabSz="914400" rtl="0" eaLnBrk="0" fontAlgn="base" latinLnBrk="0" hangingPunct="0">
+            <a:r>
+              <a:rPr lang="pt-BR" sz="2000" dirty="0">
+                <a:effectLst/>
+                <a:ea typeface="Calibri" panose="020F0502020204030204" pitchFamily="34" charset="0"/>
+              </a:rPr>
+              <a:t>ZANSHIN SOFTWARE. </a:t>
+            </a:r>
+            <a:r>
+              <a:rPr lang="pt-BR" sz="2000" i="1" dirty="0">
+                <a:effectLst/>
+                <a:ea typeface="Calibri" panose="020F0502020204030204" pitchFamily="34" charset="0"/>
+              </a:rPr>
+              <a:t>Sistema de Gestão para Escolas de Cursos Livres: </a:t>
+            </a:r>
+            <a:r>
+              <a:rPr lang="pt-BR" sz="2000" i="1" dirty="0" err="1">
+                <a:effectLst/>
+                <a:ea typeface="Calibri" panose="020F0502020204030204" pitchFamily="34" charset="0"/>
+              </a:rPr>
+              <a:t>RollClass</a:t>
+            </a:r>
+            <a:r>
+              <a:rPr lang="pt-BR" sz="2000" i="1" dirty="0">
+                <a:effectLst/>
+                <a:ea typeface="Calibri" panose="020F0502020204030204" pitchFamily="34" charset="0"/>
+              </a:rPr>
+              <a:t>.</a:t>
+            </a:r>
+          </a:p>
+          <a:p>
+            <a:pPr marL="285750" marR="0" lvl="0" indent="-285750" algn="l" defTabSz="914400" rtl="0" eaLnBrk="0" fontAlgn="base" latinLnBrk="0" hangingPunct="0">
               <a:lnSpc>
                 <a:spcPct val="100000"/>
               </a:lnSpc>
@@ -5494,36 +5730,153 @@
               </a:spcAft>
               <a:buClrTx/>
               <a:buSzTx/>
-              <a:buFontTx/>
+              <a:buFont typeface="Arial" panose="020B0604020202020204" pitchFamily="34" charset="0"/>
               <a:buChar char="•"/>
               <a:tabLst/>
             </a:pPr>
             <a:r>
-              <a:rPr kumimoji="0" lang="pt-BR" altLang="pt-BR" sz="1800" b="0" i="1" u="none" strike="noStrike" cap="none" normalizeH="0" baseline="0" dirty="0">
-                <a:ln>
-                  <a:noFill/>
-                </a:ln>
-                <a:solidFill>
-                  <a:schemeClr val="tx1"/>
-                </a:solidFill>
+              <a:rPr lang="pt-BR" sz="1800" dirty="0">
                 <a:effectLst/>
                 <a:latin typeface="Arial" panose="020B0604020202020204" pitchFamily="34" charset="0"/>
+                <a:ea typeface="Calibri" panose="020F0502020204030204" pitchFamily="34" charset="0"/>
               </a:rPr>
-              <a:t>Universidade de São Paulo (USP)</a:t>
-            </a:r>
-            <a:r>
-              <a:rPr kumimoji="0" lang="pt-BR" altLang="pt-BR" sz="1800" b="0" i="0" u="none" strike="noStrike" cap="none" normalizeH="0" baseline="0" dirty="0">
-                <a:ln>
-                  <a:noFill/>
-                </a:ln>
-                <a:solidFill>
-                  <a:schemeClr val="tx1"/>
-                </a:solidFill>
+              <a:t>VALIN TECNOLOGIA LTDA.</a:t>
+            </a:r>
+            <a:r>
+              <a:rPr lang="pt-BR" sz="1800" i="1" dirty="0">
                 <a:effectLst/>
                 <a:latin typeface="Arial" panose="020B0604020202020204" pitchFamily="34" charset="0"/>
+                <a:ea typeface="Calibri" panose="020F0502020204030204" pitchFamily="34" charset="0"/>
               </a:rPr>
-              <a:t> – Aponta que a TI é indispensável para a modernização e eficiência de processos administrativos, inclusive em instituições educacionais e religiosas.</a:t>
-            </a:r>
+              <a:t> </a:t>
+            </a:r>
+            <a:r>
+              <a:rPr lang="pt-BR" sz="1800" i="1" dirty="0" err="1">
+                <a:effectLst/>
+                <a:latin typeface="Arial" panose="020B0604020202020204" pitchFamily="34" charset="0"/>
+                <a:ea typeface="Calibri" panose="020F0502020204030204" pitchFamily="34" charset="0"/>
+              </a:rPr>
+              <a:t>Emusys</a:t>
+            </a:r>
+            <a:r>
+              <a:rPr lang="pt-BR" sz="1800" i="1" dirty="0">
+                <a:effectLst/>
+                <a:latin typeface="Arial" panose="020B0604020202020204" pitchFamily="34" charset="0"/>
+                <a:ea typeface="Calibri" panose="020F0502020204030204" pitchFamily="34" charset="0"/>
+              </a:rPr>
+              <a:t>: plataforma de gestão para escolas de música. </a:t>
+            </a:r>
+            <a:endParaRPr lang="pt-BR" sz="2000" i="1" dirty="0">
+              <a:latin typeface="Arial" panose="020B0604020202020204" pitchFamily="34" charset="0"/>
+              <a:ea typeface="Calibri" panose="020F0502020204030204" pitchFamily="34" charset="0"/>
+            </a:endParaRPr>
+          </a:p>
+          <a:p>
+            <a:pPr marL="285750" marR="0" lvl="0" indent="-285750" algn="l" defTabSz="914400" rtl="0" eaLnBrk="0" fontAlgn="base" latinLnBrk="0" hangingPunct="0">
+              <a:lnSpc>
+                <a:spcPct val="100000"/>
+              </a:lnSpc>
+              <a:spcBef>
+                <a:spcPct val="0"/>
+              </a:spcBef>
+              <a:spcAft>
+                <a:spcPct val="0"/>
+              </a:spcAft>
+              <a:buClrTx/>
+              <a:buSzTx/>
+              <a:buFont typeface="Arial" panose="020B0604020202020204" pitchFamily="34" charset="0"/>
+              <a:buChar char="•"/>
+              <a:tabLst/>
+            </a:pPr>
+            <a:r>
+              <a:rPr lang="pt-BR" sz="1800" dirty="0">
+                <a:effectLst/>
+                <a:latin typeface="Arial" panose="020B0604020202020204" pitchFamily="34" charset="0"/>
+                <a:ea typeface="Calibri" panose="020F0502020204030204" pitchFamily="34" charset="0"/>
+              </a:rPr>
+              <a:t>CRIO DIGITAL. </a:t>
+            </a:r>
+            <a:r>
+              <a:rPr lang="pt-BR" sz="1800" i="1" dirty="0" err="1">
+                <a:effectLst/>
+                <a:latin typeface="Arial" panose="020B0604020202020204" pitchFamily="34" charset="0"/>
+                <a:ea typeface="Calibri" panose="020F0502020204030204" pitchFamily="34" charset="0"/>
+              </a:rPr>
+              <a:t>KurZy</a:t>
+            </a:r>
+            <a:r>
+              <a:rPr lang="pt-BR" sz="1800" i="1" dirty="0">
+                <a:effectLst/>
+                <a:latin typeface="Arial" panose="020B0604020202020204" pitchFamily="34" charset="0"/>
+                <a:ea typeface="Calibri" panose="020F0502020204030204" pitchFamily="34" charset="0"/>
+              </a:rPr>
+              <a:t>: software de gestão educacional para escolas e cursos profissionalizantes</a:t>
+            </a:r>
+            <a:r>
+              <a:rPr lang="pt-BR" sz="1800" dirty="0">
+                <a:effectLst/>
+                <a:latin typeface="Arial" panose="020B0604020202020204" pitchFamily="34" charset="0"/>
+                <a:ea typeface="Calibri" panose="020F0502020204030204" pitchFamily="34" charset="0"/>
+              </a:rPr>
+              <a:t>. </a:t>
+            </a:r>
+            <a:endParaRPr lang="pt-BR" sz="2000" i="1" dirty="0">
+              <a:effectLst/>
+              <a:ea typeface="Calibri" panose="020F0502020204030204" pitchFamily="34" charset="0"/>
+            </a:endParaRPr>
+          </a:p>
+          <a:p>
+            <a:pPr marL="342900" marR="0" lvl="0" indent="-342900" algn="just" defTabSz="914400" rtl="0" eaLnBrk="0" fontAlgn="base" latinLnBrk="0" hangingPunct="0">
+              <a:lnSpc>
+                <a:spcPct val="100000"/>
+              </a:lnSpc>
+              <a:spcBef>
+                <a:spcPct val="0"/>
+              </a:spcBef>
+              <a:spcAft>
+                <a:spcPct val="0"/>
+              </a:spcAft>
+              <a:buClrTx/>
+              <a:buSzTx/>
+              <a:buFont typeface="Arial" panose="020B0604020202020204" pitchFamily="34" charset="0"/>
+              <a:buChar char="•"/>
+              <a:tabLst/>
+            </a:pPr>
+            <a:endParaRPr kumimoji="0" lang="pt-BR" altLang="pt-BR" sz="2000" b="0" i="1" u="none" strike="noStrike" cap="none" normalizeH="0" baseline="0" dirty="0">
+              <a:ln>
+                <a:noFill/>
+              </a:ln>
+              <a:solidFill>
+                <a:schemeClr val="tx1"/>
+              </a:solidFill>
+            </a:endParaRPr>
+          </a:p>
+          <a:p>
+            <a:pPr marL="342900" marR="0" lvl="0" indent="-342900" algn="l" defTabSz="914400" rtl="0" eaLnBrk="0" fontAlgn="base" latinLnBrk="0" hangingPunct="0">
+              <a:lnSpc>
+                <a:spcPct val="100000"/>
+              </a:lnSpc>
+              <a:spcBef>
+                <a:spcPct val="0"/>
+              </a:spcBef>
+              <a:spcAft>
+                <a:spcPct val="0"/>
+              </a:spcAft>
+              <a:buClrTx/>
+              <a:buSzTx/>
+              <a:buFont typeface="Arial" panose="020B0604020202020204" pitchFamily="34" charset="0"/>
+              <a:buChar char="•"/>
+              <a:tabLst/>
+            </a:pPr>
+            <a:endParaRPr kumimoji="0" lang="pt-BR" altLang="pt-BR" sz="2000" b="0" i="0" u="none" strike="noStrike" cap="none" normalizeH="0" baseline="0" dirty="0">
+              <a:ln>
+                <a:noFill/>
+              </a:ln>
+              <a:solidFill>
+                <a:schemeClr val="tx1"/>
+              </a:solidFill>
+              <a:effectLst/>
+            </a:endParaRPr>
           </a:p>
         </p:txBody>
       </p:sp>
@@ -5827,7 +6180,7 @@
         </p:nvSpPr>
         <p:spPr>
           <a:xfrm>
-            <a:off x="1580113" y="2024615"/>
+            <a:off x="1524000" y="1442160"/>
             <a:ext cx="9144000" cy="852211"/>
           </a:xfrm>
         </p:spPr>
@@ -5838,57 +6191,11 @@
           <a:lstStyle/>
           <a:p>
             <a:r>
-              <a:rPr lang="pt-BR" sz="4800" dirty="0"/>
+              <a:rPr lang="pt-BR" sz="2400" dirty="0">
+                <a:latin typeface="Arial" panose="020B0604020202020204" pitchFamily="34" charset="0"/>
+                <a:cs typeface="Arial" panose="020B0604020202020204" pitchFamily="34" charset="0"/>
+              </a:rPr>
               <a:t>DESENVOLVIMENTO / RESULTADOS</a:t>
-            </a:r>
-          </a:p>
-        </p:txBody>
-      </p:sp>
-      <p:sp>
-        <p:nvSpPr>
-          <p:cNvPr id="3" name="Subtítulo 2">
-            <a:extLst>
-              <a:ext uri="{FF2B5EF4-FFF2-40B4-BE49-F238E27FC236}">
-                <a16:creationId xmlns:a16="http://schemas.microsoft.com/office/drawing/2014/main" id="{D925F25B-ABDD-439F-B7AE-9A79A3FDC1CE}"/>
-              </a:ext>
-            </a:extLst>
-          </p:cNvPr>
-          <p:cNvSpPr>
-            <a:spLocks noGrp="1"/>
-          </p:cNvSpPr>
-          <p:nvPr>
-            <p:ph type="subTitle" idx="1"/>
-          </p:nvPr>
-        </p:nvSpPr>
-        <p:spPr>
-          <a:xfrm>
-            <a:off x="1580113" y="3139144"/>
-            <a:ext cx="9750495" cy="1896681"/>
-          </a:xfrm>
-        </p:spPr>
-        <p:txBody>
-          <a:bodyPr>
-            <a:normAutofit/>
-          </a:bodyPr>
-          <a:lstStyle/>
-          <a:p>
-            <a:pPr marL="457200" indent="-457200" algn="l">
-              <a:buFontTx/>
-              <a:buChar char="-"/>
-            </a:pPr>
-            <a:r>
-              <a:rPr lang="pt-BR" sz="2800" dirty="0"/>
-              <a:t>DESCRIÇÃO DO DESENVOLVIMENTO DO PROJETO OU ANÁLISE DOS DADOS COLETADOS</a:t>
-            </a:r>
-          </a:p>
-          <a:p>
-            <a:pPr marL="457200" indent="-457200" algn="l">
-              <a:buFontTx/>
-              <a:buChar char="-"/>
-            </a:pPr>
-            <a:r>
-              <a:rPr lang="pt-BR" sz="2800" dirty="0"/>
-              <a:t>GRÁFICOS, TABELAS, IMAGENS OU EXEMPLOS DO PROJETO PRÁTICO</a:t>
             </a:r>
           </a:p>
         </p:txBody>
@@ -6011,6 +6318,34 @@
               </a14:hiddenFill>
             </a:ext>
           </a:extLst>
+        </p:spPr>
+      </p:pic>
+      <p:pic>
+        <p:nvPicPr>
+          <p:cNvPr id="7" name="Imagem 6">
+            <a:extLst>
+              <a:ext uri="{FF2B5EF4-FFF2-40B4-BE49-F238E27FC236}">
+                <a16:creationId xmlns:a16="http://schemas.microsoft.com/office/drawing/2014/main" id="{5707620A-1CA0-4194-A31A-91EE2B40F633}"/>
+              </a:ext>
+            </a:extLst>
+          </p:cNvPr>
+          <p:cNvPicPr/>
+          <p:nvPr/>
+        </p:nvPicPr>
+        <p:blipFill>
+          <a:blip r:embed="rId5"/>
+          <a:stretch>
+            <a:fillRect/>
+          </a:stretch>
+        </p:blipFill>
+        <p:spPr>
+          <a:xfrm>
+            <a:off x="2607599" y="2553258"/>
+            <a:ext cx="6897287" cy="3710948"/>
+          </a:xfrm>
+          <a:prstGeom prst="rect">
+            <a:avLst/>
+          </a:prstGeom>
         </p:spPr>
       </p:pic>
     </p:spTree>
@@ -6043,90 +6378,6 @@
           <a:chExt cx="0" cy="0"/>
         </a:xfrm>
       </p:grpSpPr>
-      <p:sp>
-        <p:nvSpPr>
-          <p:cNvPr id="2" name="Título 1">
-            <a:extLst>
-              <a:ext uri="{FF2B5EF4-FFF2-40B4-BE49-F238E27FC236}">
-                <a16:creationId xmlns:a16="http://schemas.microsoft.com/office/drawing/2014/main" id="{5E447ACB-E7DF-4BBE-AC44-A1AC9F22CAC8}"/>
-              </a:ext>
-            </a:extLst>
-          </p:cNvPr>
-          <p:cNvSpPr>
-            <a:spLocks noGrp="1"/>
-          </p:cNvSpPr>
-          <p:nvPr>
-            <p:ph type="ctrTitle"/>
-          </p:nvPr>
-        </p:nvSpPr>
-        <p:spPr>
-          <a:xfrm>
-            <a:off x="1580113" y="2024615"/>
-            <a:ext cx="9144000" cy="852211"/>
-          </a:xfrm>
-        </p:spPr>
-        <p:txBody>
-          <a:bodyPr>
-            <a:noAutofit/>
-          </a:bodyPr>
-          <a:lstStyle/>
-          <a:p>
-            <a:r>
-              <a:rPr lang="pt-BR" sz="4800" dirty="0"/>
-              <a:t>DISCUSSÃO</a:t>
-            </a:r>
-          </a:p>
-        </p:txBody>
-      </p:sp>
-      <p:sp>
-        <p:nvSpPr>
-          <p:cNvPr id="3" name="Subtítulo 2">
-            <a:extLst>
-              <a:ext uri="{FF2B5EF4-FFF2-40B4-BE49-F238E27FC236}">
-                <a16:creationId xmlns:a16="http://schemas.microsoft.com/office/drawing/2014/main" id="{D925F25B-ABDD-439F-B7AE-9A79A3FDC1CE}"/>
-              </a:ext>
-            </a:extLst>
-          </p:cNvPr>
-          <p:cNvSpPr>
-            <a:spLocks noGrp="1"/>
-          </p:cNvSpPr>
-          <p:nvPr>
-            <p:ph type="subTitle" idx="1"/>
-          </p:nvPr>
-        </p:nvSpPr>
-        <p:spPr>
-          <a:xfrm>
-            <a:off x="1580113" y="3139144"/>
-            <a:ext cx="9750495" cy="1896681"/>
-          </a:xfrm>
-        </p:spPr>
-        <p:txBody>
-          <a:bodyPr>
-            <a:normAutofit/>
-          </a:bodyPr>
-          <a:lstStyle/>
-          <a:p>
-            <a:pPr marL="457200" indent="-457200" algn="l">
-              <a:buFontTx/>
-              <a:buChar char="-"/>
-            </a:pPr>
-            <a:r>
-              <a:rPr lang="pt-BR" sz="3200" dirty="0"/>
-              <a:t>COMPARAÇÃO DOS RESULTADOS COM A TEORIA</a:t>
-            </a:r>
-          </a:p>
-          <a:p>
-            <a:pPr marL="457200" indent="-457200" algn="l">
-              <a:buFontTx/>
-              <a:buChar char="-"/>
-            </a:pPr>
-            <a:r>
-              <a:rPr lang="pt-BR" sz="3200" dirty="0"/>
-              <a:t>O QUE FOI DESCOBERTO OU CONSTRUÍDO</a:t>
-            </a:r>
-          </a:p>
-        </p:txBody>
-      </p:sp>
       <p:pic>
         <p:nvPicPr>
           <p:cNvPr id="4" name="Imagem 3">
@@ -6205,7 +6456,7 @@
           <p:cNvPr id="6" name="Picture 2" descr="Estatuto - Congregação Cristã no Brasil">
             <a:extLst>
               <a:ext uri="{FF2B5EF4-FFF2-40B4-BE49-F238E27FC236}">
-                <a16:creationId xmlns:a16="http://schemas.microsoft.com/office/drawing/2014/main" id="{74BD1F69-BDE4-49CD-A5F9-71248018DDD3}"/>
+                <a16:creationId xmlns:a16="http://schemas.microsoft.com/office/drawing/2014/main" id="{FC881A6D-7AF2-481C-BB2C-BE3EEC308308}"/>
               </a:ext>
             </a:extLst>
           </p:cNvPr>
@@ -6247,10 +6498,49 @@
           </a:extLst>
         </p:spPr>
       </p:pic>
+      <p:pic>
+        <p:nvPicPr>
+          <p:cNvPr id="8" name="Imagem 7">
+            <a:extLst>
+              <a:ext uri="{FF2B5EF4-FFF2-40B4-BE49-F238E27FC236}">
+                <a16:creationId xmlns:a16="http://schemas.microsoft.com/office/drawing/2014/main" id="{51808DD4-D2C2-404B-B539-FC6D08A17493}"/>
+              </a:ext>
+            </a:extLst>
+          </p:cNvPr>
+          <p:cNvPicPr/>
+          <p:nvPr/>
+        </p:nvPicPr>
+        <p:blipFill>
+          <a:blip r:embed="rId5">
+            <a:extLst>
+              <a:ext uri="{28A0092B-C50C-407E-A947-70E740481C1C}">
+                <a14:useLocalDpi xmlns:a14="http://schemas.microsoft.com/office/drawing/2010/main" val="0"/>
+              </a:ext>
+            </a:extLst>
+          </a:blip>
+          <a:srcRect/>
+          <a:stretch>
+            <a:fillRect/>
+          </a:stretch>
+        </p:blipFill>
+        <p:spPr bwMode="auto">
+          <a:xfrm>
+            <a:off x="3303104" y="1590261"/>
+            <a:ext cx="5585791" cy="4810538"/>
+          </a:xfrm>
+          <a:prstGeom prst="rect">
+            <a:avLst/>
+          </a:prstGeom>
+          <a:noFill/>
+          <a:ln>
+            <a:noFill/>
+          </a:ln>
+        </p:spPr>
+      </p:pic>
     </p:spTree>
     <p:extLst>
       <p:ext uri="{BB962C8B-B14F-4D97-AF65-F5344CB8AC3E}">
-        <p14:creationId xmlns:p14="http://schemas.microsoft.com/office/powerpoint/2010/main" val="4104907513"/>
+        <p14:creationId xmlns:p14="http://schemas.microsoft.com/office/powerpoint/2010/main" val="2424325691"/>
       </p:ext>
     </p:extLst>
   </p:cSld>
@@ -6295,7 +6585,7 @@
         </p:nvSpPr>
         <p:spPr>
           <a:xfrm>
-            <a:off x="1580113" y="2024615"/>
+            <a:off x="1580113" y="1126192"/>
             <a:ext cx="9144000" cy="852211"/>
           </a:xfrm>
         </p:spPr>
@@ -6306,8 +6596,11 @@
           <a:lstStyle/>
           <a:p>
             <a:r>
-              <a:rPr lang="pt-BR" sz="4800" dirty="0"/>
-              <a:t>CONCLUSÃO</a:t>
+              <a:rPr lang="pt-BR" sz="2400" dirty="0">
+                <a:latin typeface="Arial" panose="020B0604020202020204" pitchFamily="34" charset="0"/>
+                <a:cs typeface="Arial" panose="020B0604020202020204" pitchFamily="34" charset="0"/>
+              </a:rPr>
+              <a:t>DISCUSSÃO</a:t>
             </a:r>
           </a:p>
         </p:txBody>
@@ -6330,8 +6623,8 @@
         </p:nvSpPr>
         <p:spPr>
           <a:xfrm>
-            <a:off x="1580113" y="3139144"/>
-            <a:ext cx="9750495" cy="2307499"/>
+            <a:off x="1580113" y="2104092"/>
+            <a:ext cx="9750495" cy="2931733"/>
           </a:xfrm>
         </p:spPr>
         <p:txBody>
@@ -6346,7 +6639,7 @@
             </a:pPr>
             <a:r>
               <a:rPr lang="pt-BR" sz="3200" dirty="0"/>
-              <a:t>RETOMADA DOS OBJETIVOS E SE FORAM ALCANÇADOS</a:t>
+              <a:t>COMPARAÇÃO DOS RESULTADOS COM A TEORIA</a:t>
             </a:r>
           </a:p>
           <a:p>
@@ -6356,17 +6649,7 @@
             </a:pPr>
             <a:r>
               <a:rPr lang="pt-BR" sz="3200" dirty="0"/>
-              <a:t>CONSIDERAÇÕES FINAIS</a:t>
-            </a:r>
-          </a:p>
-          <a:p>
-            <a:pPr marL="457200" indent="-457200" algn="l">
-              <a:buFontTx/>
-              <a:buChar char="-"/>
-            </a:pPr>
-            <a:r>
-              <a:rPr lang="pt-BR" sz="3200" dirty="0"/>
-              <a:t>SUGESTÕES PARA TRABALHOS FUTUROS</a:t>
+              <a:t>O QUE FOI DESCOBERTO OU CONSTRUÍDO</a:t>
             </a:r>
           </a:p>
         </p:txBody>
@@ -6449,7 +6732,7 @@
           <p:cNvPr id="6" name="Picture 2" descr="Estatuto - Congregação Cristã no Brasil">
             <a:extLst>
               <a:ext uri="{FF2B5EF4-FFF2-40B4-BE49-F238E27FC236}">
-                <a16:creationId xmlns:a16="http://schemas.microsoft.com/office/drawing/2014/main" id="{135A5182-B55A-4131-ADA2-BBE7AF9BE082}"/>
+                <a16:creationId xmlns:a16="http://schemas.microsoft.com/office/drawing/2014/main" id="{74BD1F69-BDE4-49CD-A5F9-71248018DDD3}"/>
               </a:ext>
             </a:extLst>
           </p:cNvPr>
@@ -6494,7 +6777,7 @@
     </p:spTree>
     <p:extLst>
       <p:ext uri="{BB962C8B-B14F-4D97-AF65-F5344CB8AC3E}">
-        <p14:creationId xmlns:p14="http://schemas.microsoft.com/office/powerpoint/2010/main" val="1325944170"/>
+        <p14:creationId xmlns:p14="http://schemas.microsoft.com/office/powerpoint/2010/main" val="4104907513"/>
       </p:ext>
     </p:extLst>
   </p:cSld>

--- a/Modelo slides apresentação TCC.pptx
+++ b/Modelo slides apresentação TCC.pptx
@@ -208,7 +208,7 @@
           <a:p>
             <a:fld id="{18320935-7879-4FC8-A6C9-17BE08BC5BEB}" type="datetimeFigureOut">
               <a:rPr lang="pt-BR" smtClean="0"/>
-              <a:t>19/05/2025</a:t>
+              <a:t>20/05/2025</a:t>
             </a:fld>
             <a:endParaRPr lang="pt-BR"/>
           </a:p>
@@ -622,7 +622,7 @@
           <a:p>
             <a:fld id="{055D9AF5-8B02-462A-998E-086C6BD146E3}" type="datetime1">
               <a:rPr lang="pt-BR" smtClean="0"/>
-              <a:t>19/05/2025</a:t>
+              <a:t>20/05/2025</a:t>
             </a:fld>
             <a:endParaRPr lang="pt-BR"/>
           </a:p>
@@ -820,7 +820,7 @@
           <a:p>
             <a:fld id="{258448AC-78A4-411F-B30C-72E16663FB27}" type="datetime1">
               <a:rPr lang="pt-BR" smtClean="0"/>
-              <a:t>19/05/2025</a:t>
+              <a:t>20/05/2025</a:t>
             </a:fld>
             <a:endParaRPr lang="pt-BR"/>
           </a:p>
@@ -1028,7 +1028,7 @@
           <a:p>
             <a:fld id="{9F1F3115-DB14-4321-8D36-A5960E5A90C2}" type="datetime1">
               <a:rPr lang="pt-BR" smtClean="0"/>
-              <a:t>19/05/2025</a:t>
+              <a:t>20/05/2025</a:t>
             </a:fld>
             <a:endParaRPr lang="pt-BR"/>
           </a:p>
@@ -1226,7 +1226,7 @@
           <a:p>
             <a:fld id="{D8C6E8C3-9067-43B2-BEF6-C1F5787FC74D}" type="datetime1">
               <a:rPr lang="pt-BR" smtClean="0"/>
-              <a:t>19/05/2025</a:t>
+              <a:t>20/05/2025</a:t>
             </a:fld>
             <a:endParaRPr lang="pt-BR"/>
           </a:p>
@@ -1501,7 +1501,7 @@
           <a:p>
             <a:fld id="{AEDAA854-EDC2-459C-AF0A-0D60AE43886D}" type="datetime1">
               <a:rPr lang="pt-BR" smtClean="0"/>
-              <a:t>19/05/2025</a:t>
+              <a:t>20/05/2025</a:t>
             </a:fld>
             <a:endParaRPr lang="pt-BR"/>
           </a:p>
@@ -1766,7 +1766,7 @@
           <a:p>
             <a:fld id="{5D91D852-DAA6-48D5-92B2-C187B4D9E703}" type="datetime1">
               <a:rPr lang="pt-BR" smtClean="0"/>
-              <a:t>19/05/2025</a:t>
+              <a:t>20/05/2025</a:t>
             </a:fld>
             <a:endParaRPr lang="pt-BR"/>
           </a:p>
@@ -2178,7 +2178,7 @@
           <a:p>
             <a:fld id="{CDC3A4EE-7EB3-49B0-B009-2BF3B4DB4BF7}" type="datetime1">
               <a:rPr lang="pt-BR" smtClean="0"/>
-              <a:t>19/05/2025</a:t>
+              <a:t>20/05/2025</a:t>
             </a:fld>
             <a:endParaRPr lang="pt-BR"/>
           </a:p>
@@ -2319,7 +2319,7 @@
           <a:p>
             <a:fld id="{224C9A1C-CA50-4622-B615-0639F6347B1D}" type="datetime1">
               <a:rPr lang="pt-BR" smtClean="0"/>
-              <a:t>19/05/2025</a:t>
+              <a:t>20/05/2025</a:t>
             </a:fld>
             <a:endParaRPr lang="pt-BR"/>
           </a:p>
@@ -2432,7 +2432,7 @@
           <a:p>
             <a:fld id="{3D6C1E11-059F-430B-ACAB-308983ADDB72}" type="datetime1">
               <a:rPr lang="pt-BR" smtClean="0"/>
-              <a:t>19/05/2025</a:t>
+              <a:t>20/05/2025</a:t>
             </a:fld>
             <a:endParaRPr lang="pt-BR"/>
           </a:p>
@@ -2743,7 +2743,7 @@
           <a:p>
             <a:fld id="{D818A351-4929-4117-9E02-9240FA4BEF66}" type="datetime1">
               <a:rPr lang="pt-BR" smtClean="0"/>
-              <a:t>19/05/2025</a:t>
+              <a:t>20/05/2025</a:t>
             </a:fld>
             <a:endParaRPr lang="pt-BR"/>
           </a:p>
@@ -3031,7 +3031,7 @@
           <a:p>
             <a:fld id="{0717CE0E-0A9C-4DE7-9D3C-C334C624287A}" type="datetime1">
               <a:rPr lang="pt-BR" smtClean="0"/>
-              <a:t>19/05/2025</a:t>
+              <a:t>20/05/2025</a:t>
             </a:fld>
             <a:endParaRPr lang="pt-BR"/>
           </a:p>
@@ -3272,7 +3272,7 @@
           <a:p>
             <a:fld id="{8DEF6C12-3CCD-4BA5-AA5A-B9FCBFB668F7}" type="datetime1">
               <a:rPr lang="pt-BR" smtClean="0"/>
-              <a:t>19/05/2025</a:t>
+              <a:t>20/05/2025</a:t>
             </a:fld>
             <a:endParaRPr lang="pt-BR"/>
           </a:p>
@@ -3708,8 +3708,8 @@
         </p:nvSpPr>
         <p:spPr>
           <a:xfrm>
-            <a:off x="1524000" y="1782267"/>
-            <a:ext cx="9144000" cy="852211"/>
+            <a:off x="1524000" y="1778684"/>
+            <a:ext cx="9144000" cy="779174"/>
           </a:xfrm>
         </p:spPr>
         <p:txBody>
@@ -4670,7 +4670,7 @@
             </a:pPr>
             <a:r>
               <a:rPr lang="pt-BR" sz="2000" dirty="0"/>
-              <a:t>Desenvolvimento de um sistema digital para otimizar processos administrativos no Grupo de Estudos Musicais (GEM) da Congregação Cristã. </a:t>
+              <a:t>Fundada em 1904 (Chicago - EUA)</a:t>
             </a:r>
           </a:p>
           <a:p>
@@ -4680,7 +4680,7 @@
             </a:pPr>
             <a:r>
               <a:rPr lang="pt-BR" sz="2000" dirty="0"/>
-              <a:t>Uso de tecnologia da informação para melhorar a gestão do ensino musical nos templos da Congregação Cristã.</a:t>
+              <a:t>Cerca de 20.000 templos no Brasil</a:t>
             </a:r>
           </a:p>
           <a:p>
@@ -4690,8 +4690,32 @@
             </a:pPr>
             <a:r>
               <a:rPr lang="pt-BR" sz="2000" dirty="0"/>
-              <a:t>Necessidade de modernizar a gestão administrativa no GEM, que ainda utiliza métodos manuais como papéis e registros físicos.                   </a:t>
-            </a:r>
+              <a:t>2,3 milhões de membros (IBGE, 2010)</a:t>
+            </a:r>
+          </a:p>
+          <a:p>
+            <a:pPr marL="342900" indent="-342900" algn="l">
+              <a:buFontTx/>
+              <a:buChar char="-"/>
+            </a:pPr>
+            <a:r>
+              <a:rPr lang="pt-BR" sz="2000" dirty="0"/>
+              <a:t>Aulas musicais oferecias via GEM</a:t>
+            </a:r>
+          </a:p>
+          <a:p>
+            <a:pPr marL="342900" indent="-342900" algn="l">
+              <a:buFontTx/>
+              <a:buChar char="-"/>
+            </a:pPr>
+            <a:endParaRPr lang="pt-BR" sz="2000" dirty="0"/>
+          </a:p>
+          <a:p>
+            <a:pPr marL="342900" indent="-342900" algn="l">
+              <a:buFontTx/>
+              <a:buChar char="-"/>
+            </a:pPr>
+            <a:endParaRPr lang="pt-BR" sz="2000" dirty="0"/>
           </a:p>
         </p:txBody>
       </p:sp>
@@ -4833,8 +4857,8 @@
         </p:nvSpPr>
         <p:spPr>
           <a:xfrm>
-            <a:off x="1543878" y="1306021"/>
-            <a:ext cx="9104243" cy="889915"/>
+            <a:off x="1672879" y="1573984"/>
+            <a:ext cx="9104243" cy="578112"/>
           </a:xfrm>
         </p:spPr>
         <p:txBody>
@@ -4901,8 +4925,8 @@
         </p:nvSpPr>
         <p:spPr>
           <a:xfrm>
-            <a:off x="1580114" y="1706563"/>
-            <a:ext cx="9144000" cy="852211"/>
+            <a:off x="1524000" y="1815547"/>
+            <a:ext cx="9144000" cy="544444"/>
           </a:xfrm>
         </p:spPr>
         <p:txBody>
@@ -4939,8 +4963,8 @@
         </p:nvSpPr>
         <p:spPr>
           <a:xfrm>
-            <a:off x="1580114" y="2949714"/>
-            <a:ext cx="9144000" cy="3212548"/>
+            <a:off x="1580114" y="2733378"/>
+            <a:ext cx="9144000" cy="3428884"/>
           </a:xfrm>
         </p:spPr>
         <p:txBody>
@@ -4955,7 +4979,7 @@
             </a:pPr>
             <a:r>
               <a:rPr lang="pt-BR" sz="2000" dirty="0"/>
-              <a:t>Falta de informatização nos processos de gestão do Grupo de Estudos Musicais (GEM) da Congregação Cristã no Brasil (CCB), que ainda utiliza métodos manuais (papel) para cadastro de alunos, controle de instrumentos e verificação de aptidão para testes.</a:t>
+              <a:t>Falta de informatização nos processos do GEM</a:t>
             </a:r>
           </a:p>
           <a:p>
@@ -4965,7 +4989,7 @@
             </a:pPr>
             <a:r>
               <a:rPr lang="pt-BR" sz="2000" dirty="0"/>
-              <a:t>Desorganização e ineficiência no controle de vagas e disponibilidades de instrumentos.</a:t>
+              <a:t>Uso de papel para cadastro de alunos e instrumentos</a:t>
             </a:r>
           </a:p>
           <a:p>
@@ -4975,7 +4999,17 @@
             </a:pPr>
             <a:r>
               <a:rPr lang="pt-BR" sz="2000" dirty="0"/>
-              <a:t>Demora e falta de clareza nos processos de avaliação e aprovação de alunos para participação em cultos, podendo gerar longos períodos de espera.</a:t>
+              <a:t>Controle manual de vagas  e disponibilidades de instrumentos</a:t>
+            </a:r>
+          </a:p>
+          <a:p>
+            <a:pPr marL="342900" indent="-342900" algn="l">
+              <a:buFontTx/>
+              <a:buChar char="-"/>
+            </a:pPr>
+            <a:r>
+              <a:rPr lang="pt-BR" sz="2000" dirty="0"/>
+              <a:t>Processos de avaliação pouco claros</a:t>
             </a:r>
           </a:p>
           <a:p>
@@ -5155,8 +5189,8 @@
         </p:nvSpPr>
         <p:spPr>
           <a:xfrm>
-            <a:off x="1580114" y="1442160"/>
-            <a:ext cx="9144000" cy="852211"/>
+            <a:off x="1580114" y="1717052"/>
+            <a:ext cx="9144000" cy="518580"/>
           </a:xfrm>
         </p:spPr>
         <p:txBody>
@@ -5209,7 +5243,7 @@
             </a:pPr>
             <a:r>
               <a:rPr lang="pt-BR" sz="2000" dirty="0"/>
-              <a:t>Substituir o processo manual de administração de alunos e conteúdos didáticos no Grupo de Estudos Musicais da Congregação Cristã no Brasil (GEM - CCB) por uma solução digital, eficiente e de fácil utilização.</a:t>
+              <a:t>Digitalizar a gestão do GEM</a:t>
             </a:r>
           </a:p>
           <a:p>
@@ -5219,7 +5253,7 @@
             </a:pPr>
             <a:r>
               <a:rPr lang="pt-BR" sz="2000" dirty="0"/>
-              <a:t>Gerenciar informações sobre instrumentos incluindo controle de vagas disponíveis</a:t>
+              <a:t>Automatização de cadastros e controles</a:t>
             </a:r>
           </a:p>
           <a:p>
@@ -5229,7 +5263,7 @@
             </a:pPr>
             <a:r>
               <a:rPr lang="pt-BR" sz="2000" dirty="0"/>
-              <a:t>Automatizar a verificação da aptidão dos alunos para participação em testes (cultos de jovens, cultos oficiais, oficialização). </a:t>
+              <a:t>Avaliar aptidão de forma automática</a:t>
             </a:r>
           </a:p>
           <a:p>
@@ -5239,17 +5273,7 @@
             </a:pPr>
             <a:r>
               <a:rPr lang="pt-BR" sz="2000" dirty="0"/>
-              <a:t>Melhorar a comunicação entre professores, alunos e responsáveis pela administração musical.</a:t>
-            </a:r>
-          </a:p>
-          <a:p>
-            <a:pPr marL="457200" indent="-457200" algn="l">
-              <a:buFontTx/>
-              <a:buChar char="-"/>
-            </a:pPr>
-            <a:r>
-              <a:rPr lang="pt-BR" sz="2000" dirty="0"/>
-              <a:t>Reduzir o tempo de espera e aumentar a transparência nos processos de avaliação e ingresso na orquestra.</a:t>
+              <a:t>Melhorar a comunicação interna</a:t>
             </a:r>
           </a:p>
         </p:txBody>
@@ -5422,8 +5446,8 @@
         </p:nvSpPr>
         <p:spPr>
           <a:xfrm>
-            <a:off x="1580114" y="1706563"/>
-            <a:ext cx="9144000" cy="852211"/>
+            <a:off x="1524000" y="1825746"/>
+            <a:ext cx="9144000" cy="570948"/>
           </a:xfrm>
         </p:spPr>
         <p:txBody>
@@ -5580,8 +5604,8 @@
         </p:nvSpPr>
         <p:spPr bwMode="auto">
           <a:xfrm>
-            <a:off x="1580114" y="2712662"/>
-            <a:ext cx="8822843" cy="3046988"/>
+            <a:off x="1684578" y="2613392"/>
+            <a:ext cx="8822843" cy="1631216"/>
           </a:xfrm>
           <a:prstGeom prst="rect">
             <a:avLst/>
@@ -5646,30 +5670,9 @@
               <a:tabLst/>
             </a:pPr>
             <a:r>
-              <a:rPr kumimoji="0" lang="pt-BR" altLang="pt-BR" sz="2000" i="1" u="none" strike="noStrike" cap="none" normalizeH="0" baseline="0" dirty="0">
-                <a:ln>
-                  <a:noFill/>
-                </a:ln>
-                <a:solidFill>
-                  <a:schemeClr val="tx1"/>
-                </a:solidFill>
-                <a:effectLst/>
-              </a:rPr>
-              <a:t>Universidade de São Paulo (USP)</a:t>
-            </a:r>
-            <a:r>
-              <a:rPr kumimoji="0" lang="pt-BR" altLang="pt-BR" sz="2000" i="0" u="none" strike="noStrike" cap="none" normalizeH="0" baseline="0" dirty="0">
-                <a:ln>
-                  <a:noFill/>
-                </a:ln>
-                <a:solidFill>
-                  <a:schemeClr val="tx1"/>
-                </a:solidFill>
-                <a:effectLst/>
-              </a:rPr>
-              <a:t> – Aponta que a TI é indispensável para a modernização e eficiência de processos administrativos, inclusive em instituições educacionais e religiosas.</a:t>
-            </a:r>
-            <a:endParaRPr lang="pt-BR" altLang="pt-BR" sz="2000" dirty="0"/>
+              <a:rPr lang="pt-BR" sz="2000" dirty="0"/>
+              <a:t>SOUSA &amp; ZORZAL (2023)</a:t>
+            </a:r>
           </a:p>
           <a:p>
             <a:pPr marL="342900" marR="0" lvl="0" indent="-342900" algn="l" defTabSz="914400" rtl="0" eaLnBrk="0" fontAlgn="base" latinLnBrk="0" hangingPunct="0">
@@ -5689,167 +5692,9 @@
               <a:tabLst/>
             </a:pPr>
             <a:r>
-              <a:rPr lang="pt-BR" sz="2000" dirty="0">
-                <a:effectLst/>
-                <a:ea typeface="Calibri" panose="020F0502020204030204" pitchFamily="34" charset="0"/>
-              </a:rPr>
-              <a:t>ZANSHIN SOFTWARE. </a:t>
-            </a:r>
-            <a:r>
-              <a:rPr lang="pt-BR" sz="2000" i="1" dirty="0">
-                <a:effectLst/>
-                <a:ea typeface="Calibri" panose="020F0502020204030204" pitchFamily="34" charset="0"/>
-              </a:rPr>
-              <a:t>Sistema de Gestão para Escolas de Cursos Livres: </a:t>
-            </a:r>
-            <a:r>
-              <a:rPr lang="pt-BR" sz="2000" i="1" dirty="0" err="1">
-                <a:effectLst/>
-                <a:ea typeface="Calibri" panose="020F0502020204030204" pitchFamily="34" charset="0"/>
-              </a:rPr>
-              <a:t>RollClass</a:t>
-            </a:r>
-            <a:r>
-              <a:rPr lang="pt-BR" sz="2000" i="1" dirty="0">
-                <a:effectLst/>
-                <a:ea typeface="Calibri" panose="020F0502020204030204" pitchFamily="34" charset="0"/>
-              </a:rPr>
-              <a:t>.</a:t>
-            </a:r>
-          </a:p>
-          <a:p>
-            <a:pPr marL="285750" marR="0" lvl="0" indent="-285750" algn="l" defTabSz="914400" rtl="0" eaLnBrk="0" fontAlgn="base" latinLnBrk="0" hangingPunct="0">
-              <a:lnSpc>
-                <a:spcPct val="100000"/>
-              </a:lnSpc>
-              <a:spcBef>
-                <a:spcPct val="0"/>
-              </a:spcBef>
-              <a:spcAft>
-                <a:spcPct val="0"/>
-              </a:spcAft>
-              <a:buClrTx/>
-              <a:buSzTx/>
-              <a:buFont typeface="Arial" panose="020B0604020202020204" pitchFamily="34" charset="0"/>
-              <a:buChar char="•"/>
-              <a:tabLst/>
-            </a:pPr>
-            <a:r>
-              <a:rPr lang="pt-BR" sz="1800" dirty="0">
-                <a:effectLst/>
-                <a:latin typeface="Arial" panose="020B0604020202020204" pitchFamily="34" charset="0"/>
-                <a:ea typeface="Calibri" panose="020F0502020204030204" pitchFamily="34" charset="0"/>
-              </a:rPr>
-              <a:t>VALIN TECNOLOGIA LTDA.</a:t>
-            </a:r>
-            <a:r>
-              <a:rPr lang="pt-BR" sz="1800" i="1" dirty="0">
-                <a:effectLst/>
-                <a:latin typeface="Arial" panose="020B0604020202020204" pitchFamily="34" charset="0"/>
-                <a:ea typeface="Calibri" panose="020F0502020204030204" pitchFamily="34" charset="0"/>
-              </a:rPr>
-              <a:t> </a:t>
-            </a:r>
-            <a:r>
-              <a:rPr lang="pt-BR" sz="1800" i="1" dirty="0" err="1">
-                <a:effectLst/>
-                <a:latin typeface="Arial" panose="020B0604020202020204" pitchFamily="34" charset="0"/>
-                <a:ea typeface="Calibri" panose="020F0502020204030204" pitchFamily="34" charset="0"/>
-              </a:rPr>
-              <a:t>Emusys</a:t>
-            </a:r>
-            <a:r>
-              <a:rPr lang="pt-BR" sz="1800" i="1" dirty="0">
-                <a:effectLst/>
-                <a:latin typeface="Arial" panose="020B0604020202020204" pitchFamily="34" charset="0"/>
-                <a:ea typeface="Calibri" panose="020F0502020204030204" pitchFamily="34" charset="0"/>
-              </a:rPr>
-              <a:t>: plataforma de gestão para escolas de música. </a:t>
-            </a:r>
-            <a:endParaRPr lang="pt-BR" sz="2000" i="1" dirty="0">
-              <a:latin typeface="Arial" panose="020B0604020202020204" pitchFamily="34" charset="0"/>
-              <a:ea typeface="Calibri" panose="020F0502020204030204" pitchFamily="34" charset="0"/>
-            </a:endParaRPr>
-          </a:p>
-          <a:p>
-            <a:pPr marL="285750" marR="0" lvl="0" indent="-285750" algn="l" defTabSz="914400" rtl="0" eaLnBrk="0" fontAlgn="base" latinLnBrk="0" hangingPunct="0">
-              <a:lnSpc>
-                <a:spcPct val="100000"/>
-              </a:lnSpc>
-              <a:spcBef>
-                <a:spcPct val="0"/>
-              </a:spcBef>
-              <a:spcAft>
-                <a:spcPct val="0"/>
-              </a:spcAft>
-              <a:buClrTx/>
-              <a:buSzTx/>
-              <a:buFont typeface="Arial" panose="020B0604020202020204" pitchFamily="34" charset="0"/>
-              <a:buChar char="•"/>
-              <a:tabLst/>
-            </a:pPr>
-            <a:r>
-              <a:rPr lang="pt-BR" sz="1800" dirty="0">
-                <a:effectLst/>
-                <a:latin typeface="Arial" panose="020B0604020202020204" pitchFamily="34" charset="0"/>
-                <a:ea typeface="Calibri" panose="020F0502020204030204" pitchFamily="34" charset="0"/>
-              </a:rPr>
-              <a:t>CRIO DIGITAL. </a:t>
-            </a:r>
-            <a:r>
-              <a:rPr lang="pt-BR" sz="1800" i="1" dirty="0" err="1">
-                <a:effectLst/>
-                <a:latin typeface="Arial" panose="020B0604020202020204" pitchFamily="34" charset="0"/>
-                <a:ea typeface="Calibri" panose="020F0502020204030204" pitchFamily="34" charset="0"/>
-              </a:rPr>
-              <a:t>KurZy</a:t>
-            </a:r>
-            <a:r>
-              <a:rPr lang="pt-BR" sz="1800" i="1" dirty="0">
-                <a:effectLst/>
-                <a:latin typeface="Arial" panose="020B0604020202020204" pitchFamily="34" charset="0"/>
-                <a:ea typeface="Calibri" panose="020F0502020204030204" pitchFamily="34" charset="0"/>
-              </a:rPr>
-              <a:t>: software de gestão educacional para escolas e cursos profissionalizantes</a:t>
-            </a:r>
-            <a:r>
-              <a:rPr lang="pt-BR" sz="1800" dirty="0">
-                <a:effectLst/>
-                <a:latin typeface="Arial" panose="020B0604020202020204" pitchFamily="34" charset="0"/>
-                <a:ea typeface="Calibri" panose="020F0502020204030204" pitchFamily="34" charset="0"/>
-              </a:rPr>
-              <a:t>. </a:t>
-            </a:r>
-            <a:endParaRPr lang="pt-BR" sz="2000" i="1" dirty="0">
-              <a:effectLst/>
-              <a:ea typeface="Calibri" panose="020F0502020204030204" pitchFamily="34" charset="0"/>
-            </a:endParaRPr>
-          </a:p>
-          <a:p>
-            <a:pPr marL="342900" marR="0" lvl="0" indent="-342900" algn="just" defTabSz="914400" rtl="0" eaLnBrk="0" fontAlgn="base" latinLnBrk="0" hangingPunct="0">
-              <a:lnSpc>
-                <a:spcPct val="100000"/>
-              </a:lnSpc>
-              <a:spcBef>
-                <a:spcPct val="0"/>
-              </a:spcBef>
-              <a:spcAft>
-                <a:spcPct val="0"/>
-              </a:spcAft>
-              <a:buClrTx/>
-              <a:buSzTx/>
-              <a:buFont typeface="Arial" panose="020B0604020202020204" pitchFamily="34" charset="0"/>
-              <a:buChar char="•"/>
-              <a:tabLst/>
-            </a:pPr>
-            <a:endParaRPr kumimoji="0" lang="pt-BR" altLang="pt-BR" sz="2000" b="0" i="1" u="none" strike="noStrike" cap="none" normalizeH="0" baseline="0" dirty="0">
-              <a:ln>
-                <a:noFill/>
-              </a:ln>
-              <a:solidFill>
-                <a:schemeClr val="tx1"/>
-              </a:solidFill>
-            </a:endParaRPr>
+              <a:rPr lang="pt-BR" sz="2000" dirty="0"/>
+              <a:t>MARLIANA (2023) </a:t>
+            </a:r>
           </a:p>
           <a:p>
             <a:pPr marL="342900" marR="0" lvl="0" indent="-342900" algn="l" defTabSz="914400" rtl="0" eaLnBrk="0" fontAlgn="base" latinLnBrk="0" hangingPunct="0">
@@ -5868,7 +5713,55 @@
               <a:buChar char="•"/>
               <a:tabLst/>
             </a:pPr>
-            <a:endParaRPr kumimoji="0" lang="pt-BR" altLang="pt-BR" sz="2000" b="0" i="0" u="none" strike="noStrike" cap="none" normalizeH="0" baseline="0" dirty="0">
+            <a:r>
+              <a:rPr lang="pt-BR" sz="2000" dirty="0"/>
+              <a:t>CIDESP (2024)</a:t>
+            </a:r>
+          </a:p>
+          <a:p>
+            <a:pPr marL="342900" marR="0" lvl="0" indent="-342900" algn="l" defTabSz="914400" rtl="0" eaLnBrk="0" fontAlgn="base" latinLnBrk="0" hangingPunct="0">
+              <a:lnSpc>
+                <a:spcPct val="100000"/>
+              </a:lnSpc>
+              <a:spcBef>
+                <a:spcPct val="0"/>
+              </a:spcBef>
+              <a:spcAft>
+                <a:spcPct val="0"/>
+              </a:spcAft>
+              <a:buClrTx/>
+              <a:buSzTx/>
+              <a:buFont typeface="Arial" panose="020B0604020202020204" pitchFamily="34" charset="0"/>
+              <a:buChar char="•"/>
+              <a:tabLst/>
+            </a:pPr>
+            <a:r>
+              <a:rPr lang="pt-BR" sz="2000" dirty="0"/>
+              <a:t>SCIMAGO INSTITUTIONS RANKINGS (2001)</a:t>
+            </a:r>
+          </a:p>
+          <a:p>
+            <a:pPr marL="342900" marR="0" lvl="0" indent="-342900" algn="l" defTabSz="914400" rtl="0" eaLnBrk="0" fontAlgn="base" latinLnBrk="0" hangingPunct="0">
+              <a:lnSpc>
+                <a:spcPct val="100000"/>
+              </a:lnSpc>
+              <a:spcBef>
+                <a:spcPct val="0"/>
+              </a:spcBef>
+              <a:spcAft>
+                <a:spcPct val="0"/>
+              </a:spcAft>
+              <a:buClrTx/>
+              <a:buSzTx/>
+              <a:buFont typeface="Arial" panose="020B0604020202020204" pitchFamily="34" charset="0"/>
+              <a:buChar char="•"/>
+              <a:tabLst/>
+            </a:pPr>
+            <a:r>
+              <a:rPr lang="pt-BR" sz="2000" dirty="0"/>
+              <a:t>ZANSHIN SOFTWARE / VALIN TECNOLOGIA / CRIO DIGITAL (2025)</a:t>
+            </a:r>
+            <a:endParaRPr kumimoji="0" lang="pt-BR" altLang="pt-BR" sz="2000" i="0" u="none" strike="noStrike" cap="none" normalizeH="0" baseline="0" dirty="0">
               <a:ln>
                 <a:noFill/>
               </a:ln>
@@ -5928,8 +5821,8 @@
         </p:nvSpPr>
         <p:spPr>
           <a:xfrm>
-            <a:off x="1484243" y="1438440"/>
-            <a:ext cx="9144000" cy="852211"/>
+            <a:off x="1524000" y="1694355"/>
+            <a:ext cx="9144000" cy="596296"/>
           </a:xfrm>
         </p:spPr>
         <p:txBody>
@@ -6180,8 +6073,8 @@
         </p:nvSpPr>
         <p:spPr>
           <a:xfrm>
-            <a:off x="1524000" y="1442160"/>
-            <a:ext cx="9144000" cy="852211"/>
+            <a:off x="1524000" y="1674677"/>
+            <a:ext cx="9144000" cy="598093"/>
           </a:xfrm>
         </p:spPr>
         <p:txBody>
@@ -6340,8 +6233,8 @@
         </p:blipFill>
         <p:spPr>
           <a:xfrm>
-            <a:off x="2607599" y="2553258"/>
-            <a:ext cx="6897287" cy="3710948"/>
+            <a:off x="2253470" y="2272770"/>
+            <a:ext cx="7605546" cy="4022744"/>
           </a:xfrm>
           <a:prstGeom prst="rect">
             <a:avLst/>
@@ -6525,8 +6418,8 @@
         </p:blipFill>
         <p:spPr bwMode="auto">
           <a:xfrm>
-            <a:off x="3303104" y="1590261"/>
-            <a:ext cx="5585791" cy="4810538"/>
+            <a:off x="3238856" y="1625379"/>
+            <a:ext cx="5714287" cy="4958639"/>
           </a:xfrm>
           <a:prstGeom prst="rect">
             <a:avLst/>
@@ -6585,8 +6478,8 @@
         </p:nvSpPr>
         <p:spPr>
           <a:xfrm>
-            <a:off x="1580113" y="1126192"/>
-            <a:ext cx="9144000" cy="852211"/>
+            <a:off x="1524000" y="1710281"/>
+            <a:ext cx="9144000" cy="536243"/>
           </a:xfrm>
         </p:spPr>
         <p:txBody>
@@ -6623,7 +6516,7 @@
         </p:nvSpPr>
         <p:spPr>
           <a:xfrm>
-            <a:off x="1580113" y="2104092"/>
+            <a:off x="1524000" y="2561308"/>
             <a:ext cx="9750495" cy="2931733"/>
           </a:xfrm>
         </p:spPr>

--- a/Modelo slides apresentação TCC.pptx
+++ b/Modelo slides apresentação TCC.pptx
@@ -5,7 +5,7 @@
     <p:sldMasterId id="2147483648" r:id="rId1"/>
   </p:sldMasterIdLst>
   <p:notesMasterIdLst>
-    <p:notesMasterId r:id="rId16"/>
+    <p:notesMasterId r:id="rId17"/>
   </p:notesMasterIdLst>
   <p:sldIdLst>
     <p:sldId id="256" r:id="rId2"/>
@@ -16,12 +16,13 @@
     <p:sldId id="262" r:id="rId7"/>
     <p:sldId id="269" r:id="rId8"/>
     <p:sldId id="270" r:id="rId9"/>
-    <p:sldId id="263" r:id="rId10"/>
-    <p:sldId id="268" r:id="rId11"/>
-    <p:sldId id="264" r:id="rId12"/>
-    <p:sldId id="265" r:id="rId13"/>
-    <p:sldId id="266" r:id="rId14"/>
-    <p:sldId id="267" r:id="rId15"/>
+    <p:sldId id="268" r:id="rId10"/>
+    <p:sldId id="263" r:id="rId11"/>
+    <p:sldId id="271" r:id="rId12"/>
+    <p:sldId id="264" r:id="rId13"/>
+    <p:sldId id="265" r:id="rId14"/>
+    <p:sldId id="266" r:id="rId15"/>
+    <p:sldId id="267" r:id="rId16"/>
   </p:sldIdLst>
   <p:sldSz cx="12192000" cy="6858000"/>
   <p:notesSz cx="6858000" cy="9144000"/>
@@ -122,7 +123,18 @@
   </p:defaultTextStyle>
   <p:extLst>
     <p:ext uri="{EFAFB233-063F-42B5-8137-9DF3F51BA10A}">
-      <p15:sldGuideLst xmlns:p15="http://schemas.microsoft.com/office/powerpoint/2012/main"/>
+      <p15:sldGuideLst xmlns:p15="http://schemas.microsoft.com/office/powerpoint/2012/main">
+        <p15:guide id="1" orient="horz" pos="2160" userDrawn="1">
+          <p15:clr>
+            <a:srgbClr val="A4A3A4"/>
+          </p15:clr>
+        </p15:guide>
+        <p15:guide id="2" pos="3840" userDrawn="1">
+          <p15:clr>
+            <a:srgbClr val="A4A3A4"/>
+          </p15:clr>
+        </p15:guide>
+      </p15:sldGuideLst>
     </p:ext>
   </p:extLst>
 </p:presentation>
@@ -2391,8 +2403,8 @@
         <a:lstStyle/>
         <a:p>
           <a:r>
-            <a:rPr lang="pt-BR" sz="2400" dirty="0">
-              <a:latin typeface="+mj-lt"/>
+            <a:rPr lang="pt-BR" sz="2600" dirty="0">
+              <a:latin typeface="+mn-lt"/>
             </a:rPr>
             <a:t>Cerca de 20.000 templos no Brasil</a:t>
           </a:r>
@@ -2429,8 +2441,8 @@
         <a:lstStyle/>
         <a:p>
           <a:r>
-            <a:rPr lang="pt-BR" sz="2400" dirty="0">
-              <a:latin typeface="+mj-lt"/>
+            <a:rPr lang="pt-BR" sz="2600" dirty="0">
+              <a:latin typeface="+mn-lt"/>
             </a:rPr>
             <a:t>2,3 milhões de membros (IBGE, 2010)</a:t>
           </a:r>
@@ -2466,9 +2478,10 @@
         <a:bodyPr/>
         <a:lstStyle/>
         <a:p>
+          <a:pPr algn="ctr"/>
           <a:r>
-            <a:rPr lang="pt-BR" sz="2400" dirty="0">
-              <a:latin typeface="+mj-lt"/>
+            <a:rPr lang="pt-BR" sz="2600" dirty="0">
+              <a:latin typeface="+mn-lt"/>
             </a:rPr>
             <a:t>Aulas musicais oferecias via GEM</a:t>
           </a:r>
@@ -2661,120 +2674,6 @@
         </a:p>
       </dgm:t>
     </dgm:pt>
-    <dgm:pt modelId="{C725982E-0930-44C1-9959-271848F0238A}">
-      <dgm:prSet custT="1"/>
-      <dgm:spPr/>
-      <dgm:t>
-        <a:bodyPr/>
-        <a:lstStyle/>
-        <a:p>
-          <a:r>
-            <a:rPr lang="pt-BR" sz="2400" dirty="0">
-              <a:latin typeface="+mj-lt"/>
-            </a:rPr>
-            <a:t>Processos de avaliação  pouco claros</a:t>
-          </a:r>
-        </a:p>
-      </dgm:t>
-    </dgm:pt>
-    <dgm:pt modelId="{6BCD09D4-3D7F-474D-9D41-A4B5C872F5EC}" type="sibTrans" cxnId="{ED6B6EA7-E7D1-4A7E-B933-FDF29D939B5B}">
-      <dgm:prSet/>
-      <dgm:spPr/>
-      <dgm:t>
-        <a:bodyPr/>
-        <a:lstStyle/>
-        <a:p>
-          <a:endParaRPr lang="pt-BR"/>
-        </a:p>
-      </dgm:t>
-    </dgm:pt>
-    <dgm:pt modelId="{B80DF91D-4335-436C-8CA1-E489D418571F}" type="parTrans" cxnId="{ED6B6EA7-E7D1-4A7E-B933-FDF29D939B5B}">
-      <dgm:prSet/>
-      <dgm:spPr/>
-      <dgm:t>
-        <a:bodyPr/>
-        <a:lstStyle/>
-        <a:p>
-          <a:endParaRPr lang="pt-BR"/>
-        </a:p>
-      </dgm:t>
-    </dgm:pt>
-    <dgm:pt modelId="{E0A10529-7F1F-4B05-A066-1E386717F4B7}">
-      <dgm:prSet custT="1"/>
-      <dgm:spPr/>
-      <dgm:t>
-        <a:bodyPr/>
-        <a:lstStyle/>
-        <a:p>
-          <a:r>
-            <a:rPr lang="pt-BR" sz="2400" dirty="0">
-              <a:latin typeface="+mj-lt"/>
-            </a:rPr>
-            <a:t>Controle manual de vagas  e disponibilidades de instrumentos</a:t>
-          </a:r>
-        </a:p>
-      </dgm:t>
-    </dgm:pt>
-    <dgm:pt modelId="{CE5C4F18-2AB7-4F74-A018-AB10089D1069}" type="sibTrans" cxnId="{82EACCD2-DEC8-40EC-83D0-453C185F57AF}">
-      <dgm:prSet/>
-      <dgm:spPr/>
-      <dgm:t>
-        <a:bodyPr/>
-        <a:lstStyle/>
-        <a:p>
-          <a:endParaRPr lang="pt-BR"/>
-        </a:p>
-      </dgm:t>
-    </dgm:pt>
-    <dgm:pt modelId="{31D5E8ED-7C7A-4E55-82C0-11A2D57A2F30}" type="parTrans" cxnId="{82EACCD2-DEC8-40EC-83D0-453C185F57AF}">
-      <dgm:prSet/>
-      <dgm:spPr/>
-      <dgm:t>
-        <a:bodyPr/>
-        <a:lstStyle/>
-        <a:p>
-          <a:endParaRPr lang="pt-BR"/>
-        </a:p>
-      </dgm:t>
-    </dgm:pt>
-    <dgm:pt modelId="{583652B9-98F2-4D4E-AF83-C6B5EADDEB24}">
-      <dgm:prSet custT="1"/>
-      <dgm:spPr/>
-      <dgm:t>
-        <a:bodyPr/>
-        <a:lstStyle/>
-        <a:p>
-          <a:r>
-            <a:rPr lang="pt-BR" sz="2400" dirty="0">
-              <a:latin typeface="+mj-lt"/>
-            </a:rPr>
-            <a:t>Uso de papel para cadastro de alunos e instrumentos</a:t>
-          </a:r>
-        </a:p>
-      </dgm:t>
-    </dgm:pt>
-    <dgm:pt modelId="{FACBBCBB-9779-490B-899D-76A507411399}" type="sibTrans" cxnId="{184094E4-6F42-4949-B30A-80123CBA31A8}">
-      <dgm:prSet/>
-      <dgm:spPr/>
-      <dgm:t>
-        <a:bodyPr/>
-        <a:lstStyle/>
-        <a:p>
-          <a:endParaRPr lang="pt-BR"/>
-        </a:p>
-      </dgm:t>
-    </dgm:pt>
-    <dgm:pt modelId="{D48F015D-7C6A-44AC-A8BD-D50C732D3663}" type="parTrans" cxnId="{184094E4-6F42-4949-B30A-80123CBA31A8}">
-      <dgm:prSet/>
-      <dgm:spPr/>
-      <dgm:t>
-        <a:bodyPr/>
-        <a:lstStyle/>
-        <a:p>
-          <a:endParaRPr lang="pt-BR"/>
-        </a:p>
-      </dgm:t>
-    </dgm:pt>
     <dgm:pt modelId="{11AF9E77-AA96-4D21-ABDF-612FA541E7EC}" type="pres">
       <dgm:prSet presAssocID="{45A32C6E-860F-4377-BFFE-999D6EDBFA36}" presName="Name0" presStyleCnt="0">
         <dgm:presLayoutVars>
@@ -2785,82 +2684,9 @@
       </dgm:prSet>
       <dgm:spPr/>
     </dgm:pt>
-    <dgm:pt modelId="{83136E47-5E16-4E71-8789-C55C84DE6681}" type="pres">
-      <dgm:prSet presAssocID="{583652B9-98F2-4D4E-AF83-C6B5EADDEB24}" presName="linNode" presStyleCnt="0"/>
-      <dgm:spPr/>
-    </dgm:pt>
-    <dgm:pt modelId="{423A08F7-CAC7-4338-ADAE-5DABCB151A54}" type="pres">
-      <dgm:prSet presAssocID="{583652B9-98F2-4D4E-AF83-C6B5EADDEB24}" presName="parentText" presStyleLbl="node1" presStyleIdx="0" presStyleCnt="3" custScaleX="119383">
-        <dgm:presLayoutVars>
-          <dgm:chMax val="1"/>
-          <dgm:bulletEnabled val="1"/>
-        </dgm:presLayoutVars>
-      </dgm:prSet>
-      <dgm:spPr>
-        <a:prstGeom prst="rect">
-          <a:avLst/>
-        </a:prstGeom>
-      </dgm:spPr>
-    </dgm:pt>
-    <dgm:pt modelId="{E2B72027-7354-4933-85BD-40C3CE649202}" type="pres">
-      <dgm:prSet presAssocID="{FACBBCBB-9779-490B-899D-76A507411399}" presName="sp" presStyleCnt="0"/>
-      <dgm:spPr/>
-    </dgm:pt>
-    <dgm:pt modelId="{74214AC2-7548-4CBB-BFD0-C3C0F7EC657A}" type="pres">
-      <dgm:prSet presAssocID="{E0A10529-7F1F-4B05-A066-1E386717F4B7}" presName="linNode" presStyleCnt="0"/>
-      <dgm:spPr/>
-    </dgm:pt>
-    <dgm:pt modelId="{9F3A42CF-E483-4C32-9D8C-F9A77C2C73E4}" type="pres">
-      <dgm:prSet presAssocID="{E0A10529-7F1F-4B05-A066-1E386717F4B7}" presName="parentText" presStyleLbl="node1" presStyleIdx="1" presStyleCnt="3" custScaleX="118528">
-        <dgm:presLayoutVars>
-          <dgm:chMax val="1"/>
-          <dgm:bulletEnabled val="1"/>
-        </dgm:presLayoutVars>
-      </dgm:prSet>
-      <dgm:spPr>
-        <a:prstGeom prst="rect">
-          <a:avLst/>
-        </a:prstGeom>
-      </dgm:spPr>
-    </dgm:pt>
-    <dgm:pt modelId="{696272B0-4137-4D40-B379-2B6B58775433}" type="pres">
-      <dgm:prSet presAssocID="{CE5C4F18-2AB7-4F74-A018-AB10089D1069}" presName="sp" presStyleCnt="0"/>
-      <dgm:spPr/>
-    </dgm:pt>
-    <dgm:pt modelId="{40EF2100-2CA8-4974-8E49-DF46C3234953}" type="pres">
-      <dgm:prSet presAssocID="{C725982E-0930-44C1-9959-271848F0238A}" presName="linNode" presStyleCnt="0"/>
-      <dgm:spPr/>
-    </dgm:pt>
-    <dgm:pt modelId="{47A58A39-93B3-4383-B480-AF8A55444447}" type="pres">
-      <dgm:prSet presAssocID="{C725982E-0930-44C1-9959-271848F0238A}" presName="parentText" presStyleLbl="node1" presStyleIdx="2" presStyleCnt="3" custScaleX="117673">
-        <dgm:presLayoutVars>
-          <dgm:chMax val="1"/>
-          <dgm:bulletEnabled val="1"/>
-        </dgm:presLayoutVars>
-      </dgm:prSet>
-      <dgm:spPr>
-        <a:prstGeom prst="rect">
-          <a:avLst/>
-        </a:prstGeom>
-      </dgm:spPr>
-    </dgm:pt>
   </dgm:ptLst>
   <dgm:cxnLst>
-    <dgm:cxn modelId="{84D33574-E98B-4660-BDD9-088219585FE1}" type="presOf" srcId="{E0A10529-7F1F-4B05-A066-1E386717F4B7}" destId="{9F3A42CF-E483-4C32-9D8C-F9A77C2C73E4}" srcOrd="0" destOrd="0" presId="urn:microsoft.com/office/officeart/2005/8/layout/vList5"/>
-    <dgm:cxn modelId="{ED6B6EA7-E7D1-4A7E-B933-FDF29D939B5B}" srcId="{45A32C6E-860F-4377-BFFE-999D6EDBFA36}" destId="{C725982E-0930-44C1-9959-271848F0238A}" srcOrd="2" destOrd="0" parTransId="{B80DF91D-4335-436C-8CA1-E489D418571F}" sibTransId="{6BCD09D4-3D7F-474D-9D41-A4B5C872F5EC}"/>
-    <dgm:cxn modelId="{7E5289B7-2405-4D80-9646-D2A2CC7B65CA}" type="presOf" srcId="{C725982E-0930-44C1-9959-271848F0238A}" destId="{47A58A39-93B3-4383-B480-AF8A55444447}" srcOrd="0" destOrd="0" presId="urn:microsoft.com/office/officeart/2005/8/layout/vList5"/>
     <dgm:cxn modelId="{E79C9CBE-817E-4338-B70C-493D762E6002}" type="presOf" srcId="{45A32C6E-860F-4377-BFFE-999D6EDBFA36}" destId="{11AF9E77-AA96-4D21-ABDF-612FA541E7EC}" srcOrd="0" destOrd="0" presId="urn:microsoft.com/office/officeart/2005/8/layout/vList5"/>
-    <dgm:cxn modelId="{82EACCD2-DEC8-40EC-83D0-453C185F57AF}" srcId="{45A32C6E-860F-4377-BFFE-999D6EDBFA36}" destId="{E0A10529-7F1F-4B05-A066-1E386717F4B7}" srcOrd="1" destOrd="0" parTransId="{31D5E8ED-7C7A-4E55-82C0-11A2D57A2F30}" sibTransId="{CE5C4F18-2AB7-4F74-A018-AB10089D1069}"/>
-    <dgm:cxn modelId="{184094E4-6F42-4949-B30A-80123CBA31A8}" srcId="{45A32C6E-860F-4377-BFFE-999D6EDBFA36}" destId="{583652B9-98F2-4D4E-AF83-C6B5EADDEB24}" srcOrd="0" destOrd="0" parTransId="{D48F015D-7C6A-44AC-A8BD-D50C732D3663}" sibTransId="{FACBBCBB-9779-490B-899D-76A507411399}"/>
-    <dgm:cxn modelId="{31803BFD-07CB-4160-8A30-3A06B5360E00}" type="presOf" srcId="{583652B9-98F2-4D4E-AF83-C6B5EADDEB24}" destId="{423A08F7-CAC7-4338-ADAE-5DABCB151A54}" srcOrd="0" destOrd="0" presId="urn:microsoft.com/office/officeart/2005/8/layout/vList5"/>
-    <dgm:cxn modelId="{44216EE5-A772-4F51-867B-9B4609303AB4}" type="presParOf" srcId="{11AF9E77-AA96-4D21-ABDF-612FA541E7EC}" destId="{83136E47-5E16-4E71-8789-C55C84DE6681}" srcOrd="0" destOrd="0" presId="urn:microsoft.com/office/officeart/2005/8/layout/vList5"/>
-    <dgm:cxn modelId="{49D0222F-2313-4509-B1C0-0E5DEBD2F614}" type="presParOf" srcId="{83136E47-5E16-4E71-8789-C55C84DE6681}" destId="{423A08F7-CAC7-4338-ADAE-5DABCB151A54}" srcOrd="0" destOrd="0" presId="urn:microsoft.com/office/officeart/2005/8/layout/vList5"/>
-    <dgm:cxn modelId="{EBBD91BA-6D4F-4C35-80A6-FC0A981952CC}" type="presParOf" srcId="{11AF9E77-AA96-4D21-ABDF-612FA541E7EC}" destId="{E2B72027-7354-4933-85BD-40C3CE649202}" srcOrd="1" destOrd="0" presId="urn:microsoft.com/office/officeart/2005/8/layout/vList5"/>
-    <dgm:cxn modelId="{BC24E03A-CB61-4085-96F3-90B0034FDC84}" type="presParOf" srcId="{11AF9E77-AA96-4D21-ABDF-612FA541E7EC}" destId="{74214AC2-7548-4CBB-BFD0-C3C0F7EC657A}" srcOrd="2" destOrd="0" presId="urn:microsoft.com/office/officeart/2005/8/layout/vList5"/>
-    <dgm:cxn modelId="{3BA78CBD-8828-441C-8612-61C8DBB75CAE}" type="presParOf" srcId="{74214AC2-7548-4CBB-BFD0-C3C0F7EC657A}" destId="{9F3A42CF-E483-4C32-9D8C-F9A77C2C73E4}" srcOrd="0" destOrd="0" presId="urn:microsoft.com/office/officeart/2005/8/layout/vList5"/>
-    <dgm:cxn modelId="{0490998A-37EE-4AC4-9DA3-AF726E68E8A0}" type="presParOf" srcId="{11AF9E77-AA96-4D21-ABDF-612FA541E7EC}" destId="{696272B0-4137-4D40-B379-2B6B58775433}" srcOrd="3" destOrd="0" presId="urn:microsoft.com/office/officeart/2005/8/layout/vList5"/>
-    <dgm:cxn modelId="{488F6994-F246-46D9-8014-0B9D7DD9EF93}" type="presParOf" srcId="{11AF9E77-AA96-4D21-ABDF-612FA541E7EC}" destId="{40EF2100-2CA8-4974-8E49-DF46C3234953}" srcOrd="4" destOrd="0" presId="urn:microsoft.com/office/officeart/2005/8/layout/vList5"/>
-    <dgm:cxn modelId="{8D08886F-84BF-44B7-B8C0-F22478FEDF80}" type="presParOf" srcId="{40EF2100-2CA8-4974-8E49-DF46C3234953}" destId="{47A58A39-93B3-4383-B480-AF8A55444447}" srcOrd="0" destOrd="0" presId="urn:microsoft.com/office/officeart/2005/8/layout/vList5"/>
   </dgm:cxnLst>
   <dgm:bg/>
   <dgm:whole/>
@@ -2894,8 +2720,8 @@
         <a:lstStyle/>
         <a:p>
           <a:r>
-            <a:rPr lang="pt-BR" sz="2400" dirty="0">
-              <a:latin typeface="+mj-lt"/>
+            <a:rPr lang="pt-BR" sz="2600" dirty="0">
+              <a:latin typeface="+mn-lt"/>
             </a:rPr>
             <a:t>SOUSA &amp; ZORZAL (2023)</a:t>
           </a:r>
@@ -2909,7 +2735,9 @@
         <a:bodyPr/>
         <a:lstStyle/>
         <a:p>
-          <a:endParaRPr lang="pt-BR" sz="2400"/>
+          <a:endParaRPr lang="pt-BR" sz="2600">
+            <a:latin typeface="+mn-lt"/>
+          </a:endParaRPr>
         </a:p>
       </dgm:t>
     </dgm:pt>
@@ -2920,7 +2748,9 @@
         <a:bodyPr/>
         <a:lstStyle/>
         <a:p>
-          <a:endParaRPr lang="pt-BR" sz="2400"/>
+          <a:endParaRPr lang="pt-BR" sz="2600">
+            <a:latin typeface="+mn-lt"/>
+          </a:endParaRPr>
         </a:p>
       </dgm:t>
     </dgm:pt>
@@ -2932,8 +2762,8 @@
         <a:lstStyle/>
         <a:p>
           <a:r>
-            <a:rPr lang="pt-BR" sz="2400" dirty="0">
-              <a:latin typeface="+mj-lt"/>
+            <a:rPr lang="pt-BR" sz="2600" dirty="0">
+              <a:latin typeface="+mn-lt"/>
             </a:rPr>
             <a:t>MARLIANA (2023) </a:t>
           </a:r>
@@ -2947,7 +2777,9 @@
         <a:bodyPr/>
         <a:lstStyle/>
         <a:p>
-          <a:endParaRPr lang="pt-BR" sz="2400"/>
+          <a:endParaRPr lang="pt-BR" sz="2600">
+            <a:latin typeface="+mn-lt"/>
+          </a:endParaRPr>
         </a:p>
       </dgm:t>
     </dgm:pt>
@@ -2958,7 +2790,9 @@
         <a:bodyPr/>
         <a:lstStyle/>
         <a:p>
-          <a:endParaRPr lang="pt-BR" sz="2400"/>
+          <a:endParaRPr lang="pt-BR" sz="2600">
+            <a:latin typeface="+mn-lt"/>
+          </a:endParaRPr>
         </a:p>
       </dgm:t>
     </dgm:pt>
@@ -2970,8 +2804,8 @@
         <a:lstStyle/>
         <a:p>
           <a:r>
-            <a:rPr lang="pt-BR" sz="2400" dirty="0">
-              <a:latin typeface="+mj-lt"/>
+            <a:rPr lang="pt-BR" sz="2600" dirty="0">
+              <a:latin typeface="+mn-lt"/>
             </a:rPr>
             <a:t>CIDESP (2024)</a:t>
           </a:r>
@@ -2985,7 +2819,9 @@
         <a:bodyPr/>
         <a:lstStyle/>
         <a:p>
-          <a:endParaRPr lang="pt-BR" sz="2400"/>
+          <a:endParaRPr lang="pt-BR" sz="2600">
+            <a:latin typeface="+mn-lt"/>
+          </a:endParaRPr>
         </a:p>
       </dgm:t>
     </dgm:pt>
@@ -2996,7 +2832,9 @@
         <a:bodyPr/>
         <a:lstStyle/>
         <a:p>
-          <a:endParaRPr lang="pt-BR" sz="2400"/>
+          <a:endParaRPr lang="pt-BR" sz="2600">
+            <a:latin typeface="+mn-lt"/>
+          </a:endParaRPr>
         </a:p>
       </dgm:t>
     </dgm:pt>
@@ -3008,8 +2846,8 @@
         <a:lstStyle/>
         <a:p>
           <a:r>
-            <a:rPr lang="pt-BR" sz="2400" dirty="0">
-              <a:latin typeface="+mj-lt"/>
+            <a:rPr lang="pt-BR" sz="2600" dirty="0">
+              <a:latin typeface="+mn-lt"/>
             </a:rPr>
             <a:t>SCIMAGO INSTITUTIONS RANKINGS (2001)</a:t>
           </a:r>
@@ -3023,7 +2861,9 @@
         <a:bodyPr/>
         <a:lstStyle/>
         <a:p>
-          <a:endParaRPr lang="pt-BR" sz="2400"/>
+          <a:endParaRPr lang="pt-BR" sz="2600">
+            <a:latin typeface="+mn-lt"/>
+          </a:endParaRPr>
         </a:p>
       </dgm:t>
     </dgm:pt>
@@ -3034,7 +2874,9 @@
         <a:bodyPr/>
         <a:lstStyle/>
         <a:p>
-          <a:endParaRPr lang="pt-BR" sz="2400"/>
+          <a:endParaRPr lang="pt-BR" sz="2600">
+            <a:latin typeface="+mn-lt"/>
+          </a:endParaRPr>
         </a:p>
       </dgm:t>
     </dgm:pt>
@@ -3046,8 +2888,8 @@
         <a:lstStyle/>
         <a:p>
           <a:r>
-            <a:rPr lang="pt-BR" sz="2400" dirty="0">
-              <a:latin typeface="+mj-lt"/>
+            <a:rPr lang="pt-BR" sz="2600" dirty="0">
+              <a:latin typeface="+mn-lt"/>
             </a:rPr>
             <a:t>ZANSHIN SOFTWARE / VALIN TECNOLOGIA / CRIO DIGITAL (2025)</a:t>
           </a:r>
@@ -3061,7 +2903,9 @@
         <a:bodyPr/>
         <a:lstStyle/>
         <a:p>
-          <a:endParaRPr lang="pt-BR" sz="2400"/>
+          <a:endParaRPr lang="pt-BR" sz="2600">
+            <a:latin typeface="+mn-lt"/>
+          </a:endParaRPr>
         </a:p>
       </dgm:t>
     </dgm:pt>
@@ -3072,7 +2916,9 @@
         <a:bodyPr/>
         <a:lstStyle/>
         <a:p>
-          <a:endParaRPr lang="pt-BR" sz="2400"/>
+          <a:endParaRPr lang="pt-BR" sz="2600">
+            <a:latin typeface="+mn-lt"/>
+          </a:endParaRPr>
         </a:p>
       </dgm:t>
     </dgm:pt>
@@ -3086,13 +2932,17 @@
       <dgm:spPr/>
     </dgm:pt>
     <dgm:pt modelId="{45862EF4-C858-4ACF-AD7C-6EEE99477E38}" type="pres">
-      <dgm:prSet presAssocID="{1EFCE8CE-E0DF-4B0F-B065-4E91984F3DBE}" presName="parentText" presStyleLbl="node1" presStyleIdx="0" presStyleCnt="5">
+      <dgm:prSet presAssocID="{1EFCE8CE-E0DF-4B0F-B065-4E91984F3DBE}" presName="parentText" presStyleLbl="node1" presStyleIdx="0" presStyleCnt="5" custLinFactY="-7926" custLinFactNeighborX="-3284" custLinFactNeighborY="-100000">
         <dgm:presLayoutVars>
           <dgm:chMax val="0"/>
           <dgm:bulletEnabled val="1"/>
         </dgm:presLayoutVars>
       </dgm:prSet>
-      <dgm:spPr/>
+      <dgm:spPr>
+        <a:prstGeom prst="rect">
+          <a:avLst/>
+        </a:prstGeom>
+      </dgm:spPr>
     </dgm:pt>
     <dgm:pt modelId="{8A21F6B0-957D-4EBF-A40D-98E134429A14}" type="pres">
       <dgm:prSet presAssocID="{D1E56BA4-45AC-4977-AA55-2E6A09812E60}" presName="spacer" presStyleCnt="0"/>
@@ -3105,7 +2955,11 @@
           <dgm:bulletEnabled val="1"/>
         </dgm:presLayoutVars>
       </dgm:prSet>
-      <dgm:spPr/>
+      <dgm:spPr>
+        <a:prstGeom prst="rect">
+          <a:avLst/>
+        </a:prstGeom>
+      </dgm:spPr>
     </dgm:pt>
     <dgm:pt modelId="{0D85E35A-410C-4DD3-AC46-F3BB25ADB97A}" type="pres">
       <dgm:prSet presAssocID="{C4723D4D-95E1-40D1-AA7E-7542E5FB57B7}" presName="spacer" presStyleCnt="0"/>
@@ -3118,7 +2972,11 @@
           <dgm:bulletEnabled val="1"/>
         </dgm:presLayoutVars>
       </dgm:prSet>
-      <dgm:spPr/>
+      <dgm:spPr>
+        <a:prstGeom prst="rect">
+          <a:avLst/>
+        </a:prstGeom>
+      </dgm:spPr>
     </dgm:pt>
     <dgm:pt modelId="{824C4748-B0F6-40AA-8857-88C6D9EC9A1A}" type="pres">
       <dgm:prSet presAssocID="{FB072818-3B5A-4222-A7D8-8B82D7F9A254}" presName="spacer" presStyleCnt="0"/>
@@ -3131,7 +2989,11 @@
           <dgm:bulletEnabled val="1"/>
         </dgm:presLayoutVars>
       </dgm:prSet>
-      <dgm:spPr/>
+      <dgm:spPr>
+        <a:prstGeom prst="rect">
+          <a:avLst/>
+        </a:prstGeom>
+      </dgm:spPr>
     </dgm:pt>
     <dgm:pt modelId="{FA3939BF-EDBD-456C-919E-D45504118AE3}" type="pres">
       <dgm:prSet presAssocID="{AA4E6314-E006-4D98-8C27-498779937D8D}" presName="spacer" presStyleCnt="0"/>
@@ -3144,7 +3006,11 @@
           <dgm:bulletEnabled val="1"/>
         </dgm:presLayoutVars>
       </dgm:prSet>
-      <dgm:spPr/>
+      <dgm:spPr>
+        <a:prstGeom prst="rect">
+          <a:avLst/>
+        </a:prstGeom>
+      </dgm:spPr>
     </dgm:pt>
   </dgm:ptLst>
   <dgm:cxnLst>
@@ -3237,12 +3103,12 @@
         </a:fontRef>
       </dsp:style>
       <dsp:txBody>
-        <a:bodyPr spcFirstLastPara="0" vert="horz" wrap="square" lIns="15240" tIns="15240" rIns="15240" bIns="15240" numCol="1" spcCol="1270" anchor="ctr" anchorCtr="0">
+        <a:bodyPr spcFirstLastPara="0" vert="horz" wrap="square" lIns="16510" tIns="16510" rIns="16510" bIns="16510" numCol="1" spcCol="1270" anchor="ctr" anchorCtr="0">
           <a:noAutofit/>
         </a:bodyPr>
         <a:lstStyle/>
         <a:p>
-          <a:pPr marL="0" lvl="0" indent="0" algn="ctr" defTabSz="1066800">
+          <a:pPr marL="0" lvl="0" indent="0" algn="ctr" defTabSz="1155700">
             <a:lnSpc>
               <a:spcPct val="90000"/>
             </a:lnSpc>
@@ -3255,8 +3121,8 @@
             <a:buNone/>
           </a:pPr>
           <a:r>
-            <a:rPr lang="pt-BR" sz="2400" kern="1200" dirty="0">
-              <a:latin typeface="+mj-lt"/>
+            <a:rPr lang="pt-BR" sz="2600" kern="1200" dirty="0">
+              <a:latin typeface="+mn-lt"/>
             </a:rPr>
             <a:t>Cerca de 20.000 templos no Brasil</a:t>
           </a:r>
@@ -3317,12 +3183,12 @@
         </a:fontRef>
       </dsp:style>
       <dsp:txBody>
-        <a:bodyPr spcFirstLastPara="0" vert="horz" wrap="square" lIns="15240" tIns="15240" rIns="15240" bIns="15240" numCol="1" spcCol="1270" anchor="ctr" anchorCtr="0">
+        <a:bodyPr spcFirstLastPara="0" vert="horz" wrap="square" lIns="16510" tIns="16510" rIns="16510" bIns="16510" numCol="1" spcCol="1270" anchor="ctr" anchorCtr="0">
           <a:noAutofit/>
         </a:bodyPr>
         <a:lstStyle/>
         <a:p>
-          <a:pPr marL="0" lvl="0" indent="0" algn="ctr" defTabSz="1066800">
+          <a:pPr marL="0" lvl="0" indent="0" algn="ctr" defTabSz="1155700">
             <a:lnSpc>
               <a:spcPct val="90000"/>
             </a:lnSpc>
@@ -3335,8 +3201,8 @@
             <a:buNone/>
           </a:pPr>
           <a:r>
-            <a:rPr lang="pt-BR" sz="2400" kern="1200" dirty="0">
-              <a:latin typeface="+mj-lt"/>
+            <a:rPr lang="pt-BR" sz="2600" kern="1200" dirty="0">
+              <a:latin typeface="+mn-lt"/>
             </a:rPr>
             <a:t>2,3 milhões de membros (IBGE, 2010)</a:t>
           </a:r>
@@ -3397,12 +3263,12 @@
         </a:fontRef>
       </dsp:style>
       <dsp:txBody>
-        <a:bodyPr spcFirstLastPara="0" vert="horz" wrap="square" lIns="15240" tIns="15240" rIns="15240" bIns="15240" numCol="1" spcCol="1270" anchor="ctr" anchorCtr="0">
+        <a:bodyPr spcFirstLastPara="0" vert="horz" wrap="square" lIns="16510" tIns="16510" rIns="16510" bIns="16510" numCol="1" spcCol="1270" anchor="ctr" anchorCtr="0">
           <a:noAutofit/>
         </a:bodyPr>
         <a:lstStyle/>
         <a:p>
-          <a:pPr marL="0" lvl="0" indent="0" algn="ctr" defTabSz="1066800">
+          <a:pPr marL="0" lvl="0" indent="0" algn="ctr" defTabSz="1155700">
             <a:lnSpc>
               <a:spcPct val="90000"/>
             </a:lnSpc>
@@ -3415,8 +3281,8 @@
             <a:buNone/>
           </a:pPr>
           <a:r>
-            <a:rPr lang="pt-BR" sz="2400" kern="1200" dirty="0">
-              <a:latin typeface="+mj-lt"/>
+            <a:rPr lang="pt-BR" sz="2600" kern="1200" dirty="0">
+              <a:latin typeface="+mn-lt"/>
             </a:rPr>
             <a:t>Aulas musicais oferecias via GEM</a:t>
           </a:r>
@@ -3439,15 +3305,27 @@
       <dsp:cNvGrpSpPr/>
     </dsp:nvGrpSpPr>
     <dsp:grpSpPr/>
-    <dsp:sp modelId="{423A08F7-CAC7-4338-ADAE-5DABCB151A54}">
+  </dsp:spTree>
+</dsp:drawing>
+</file>
+
+<file path=ppt/diagrams/drawing3.xml><?xml version="1.0" encoding="utf-8"?>
+<dsp:drawing xmlns:dgm="http://schemas.openxmlformats.org/drawingml/2006/diagram" xmlns:dsp="http://schemas.microsoft.com/office/drawing/2008/diagram" xmlns:a="http://schemas.openxmlformats.org/drawingml/2006/main">
+  <dsp:spTree>
+    <dsp:nvGrpSpPr>
+      <dsp:cNvPr id="0" name=""/>
+      <dsp:cNvGrpSpPr/>
+    </dsp:nvGrpSpPr>
+    <dsp:grpSpPr/>
+    <dsp:sp modelId="{45862EF4-C858-4ACF-AD7C-6EEE99477E38}">
       <dsp:nvSpPr>
         <dsp:cNvPr id="0" name=""/>
         <dsp:cNvSpPr/>
       </dsp:nvSpPr>
       <dsp:spPr>
         <a:xfrm>
-          <a:off x="2607051" y="1999"/>
-          <a:ext cx="3929896" cy="1319367"/>
+          <a:off x="0" y="0"/>
+          <a:ext cx="10248952" cy="565109"/>
         </a:xfrm>
         <a:prstGeom prst="rect">
           <a:avLst/>
@@ -3489,12 +3367,12 @@
         </a:fontRef>
       </dsp:style>
       <dsp:txBody>
-        <a:bodyPr spcFirstLastPara="0" vert="horz" wrap="square" lIns="91440" tIns="45720" rIns="91440" bIns="45720" numCol="1" spcCol="1270" anchor="ctr" anchorCtr="0">
+        <a:bodyPr spcFirstLastPara="0" vert="horz" wrap="square" lIns="99060" tIns="99060" rIns="99060" bIns="99060" numCol="1" spcCol="1270" anchor="ctr" anchorCtr="0">
           <a:noAutofit/>
         </a:bodyPr>
         <a:lstStyle/>
         <a:p>
-          <a:pPr marL="0" lvl="0" indent="0" algn="ctr" defTabSz="1066800">
+          <a:pPr marL="0" lvl="0" indent="0" algn="l" defTabSz="1155700">
             <a:lnSpc>
               <a:spcPct val="90000"/>
             </a:lnSpc>
@@ -3507,27 +3385,27 @@
             <a:buNone/>
           </a:pPr>
           <a:r>
-            <a:rPr lang="pt-BR" sz="2400" kern="1200" dirty="0">
-              <a:latin typeface="+mj-lt"/>
+            <a:rPr lang="pt-BR" sz="2600" kern="1200" dirty="0">
+              <a:latin typeface="+mn-lt"/>
             </a:rPr>
-            <a:t>Uso de papel para cadastro de alunos e instrumentos</a:t>
+            <a:t>SOUSA &amp; ZORZAL (2023)</a:t>
           </a:r>
         </a:p>
       </dsp:txBody>
       <dsp:txXfrm>
-        <a:off x="2607051" y="1999"/>
-        <a:ext cx="3929896" cy="1319367"/>
+        <a:off x="0" y="0"/>
+        <a:ext cx="10248952" cy="565109"/>
       </dsp:txXfrm>
     </dsp:sp>
-    <dsp:sp modelId="{9F3A42CF-E483-4C32-9D8C-F9A77C2C73E4}">
+    <dsp:sp modelId="{38D7BD86-1995-49B1-B215-9BCB90BED778}">
       <dsp:nvSpPr>
         <dsp:cNvPr id="0" name=""/>
         <dsp:cNvSpPr/>
       </dsp:nvSpPr>
       <dsp:spPr>
         <a:xfrm>
-          <a:off x="2607051" y="1387334"/>
-          <a:ext cx="3901751" cy="1319367"/>
+          <a:off x="0" y="626833"/>
+          <a:ext cx="10248952" cy="565109"/>
         </a:xfrm>
         <a:prstGeom prst="rect">
           <a:avLst/>
@@ -3569,12 +3447,12 @@
         </a:fontRef>
       </dsp:style>
       <dsp:txBody>
-        <a:bodyPr spcFirstLastPara="0" vert="horz" wrap="square" lIns="91440" tIns="45720" rIns="91440" bIns="45720" numCol="1" spcCol="1270" anchor="ctr" anchorCtr="0">
+        <a:bodyPr spcFirstLastPara="0" vert="horz" wrap="square" lIns="99060" tIns="99060" rIns="99060" bIns="99060" numCol="1" spcCol="1270" anchor="ctr" anchorCtr="0">
           <a:noAutofit/>
         </a:bodyPr>
         <a:lstStyle/>
         <a:p>
-          <a:pPr marL="0" lvl="0" indent="0" algn="ctr" defTabSz="1066800">
+          <a:pPr marL="0" lvl="0" indent="0" algn="l" defTabSz="1155700">
             <a:lnSpc>
               <a:spcPct val="90000"/>
             </a:lnSpc>
@@ -3587,27 +3465,27 @@
             <a:buNone/>
           </a:pPr>
           <a:r>
-            <a:rPr lang="pt-BR" sz="2400" kern="1200" dirty="0">
-              <a:latin typeface="+mj-lt"/>
+            <a:rPr lang="pt-BR" sz="2600" kern="1200" dirty="0">
+              <a:latin typeface="+mn-lt"/>
             </a:rPr>
-            <a:t>Controle manual de vagas  e disponibilidades de instrumentos</a:t>
+            <a:t>MARLIANA (2023) </a:t>
           </a:r>
         </a:p>
       </dsp:txBody>
       <dsp:txXfrm>
-        <a:off x="2607051" y="1387334"/>
-        <a:ext cx="3901751" cy="1319367"/>
+        <a:off x="0" y="626833"/>
+        <a:ext cx="10248952" cy="565109"/>
       </dsp:txXfrm>
     </dsp:sp>
-    <dsp:sp modelId="{47A58A39-93B3-4383-B480-AF8A55444447}">
+    <dsp:sp modelId="{FC4D0C16-2783-47BD-8E46-1D15CFDB5A4F}">
       <dsp:nvSpPr>
         <dsp:cNvPr id="0" name=""/>
         <dsp:cNvSpPr/>
       </dsp:nvSpPr>
       <dsp:spPr>
         <a:xfrm>
-          <a:off x="2607051" y="2772669"/>
-          <a:ext cx="3873606" cy="1319367"/>
+          <a:off x="0" y="1252423"/>
+          <a:ext cx="10248952" cy="565109"/>
         </a:xfrm>
         <a:prstGeom prst="rect">
           <a:avLst/>
@@ -3649,12 +3527,12 @@
         </a:fontRef>
       </dsp:style>
       <dsp:txBody>
-        <a:bodyPr spcFirstLastPara="0" vert="horz" wrap="square" lIns="91440" tIns="45720" rIns="91440" bIns="45720" numCol="1" spcCol="1270" anchor="ctr" anchorCtr="0">
+        <a:bodyPr spcFirstLastPara="0" vert="horz" wrap="square" lIns="99060" tIns="99060" rIns="99060" bIns="99060" numCol="1" spcCol="1270" anchor="ctr" anchorCtr="0">
           <a:noAutofit/>
         </a:bodyPr>
         <a:lstStyle/>
         <a:p>
-          <a:pPr marL="0" lvl="0" indent="0" algn="ctr" defTabSz="1066800">
+          <a:pPr marL="0" lvl="0" indent="0" algn="l" defTabSz="1155700">
             <a:lnSpc>
               <a:spcPct val="90000"/>
             </a:lnSpc>
@@ -3667,41 +3545,29 @@
             <a:buNone/>
           </a:pPr>
           <a:r>
-            <a:rPr lang="pt-BR" sz="2400" kern="1200" dirty="0">
-              <a:latin typeface="+mj-lt"/>
+            <a:rPr lang="pt-BR" sz="2600" kern="1200" dirty="0">
+              <a:latin typeface="+mn-lt"/>
             </a:rPr>
-            <a:t>Processos de avaliação  pouco claros</a:t>
+            <a:t>CIDESP (2024)</a:t>
           </a:r>
         </a:p>
       </dsp:txBody>
       <dsp:txXfrm>
-        <a:off x="2607051" y="2772669"/>
-        <a:ext cx="3873606" cy="1319367"/>
+        <a:off x="0" y="1252423"/>
+        <a:ext cx="10248952" cy="565109"/>
       </dsp:txXfrm>
     </dsp:sp>
-  </dsp:spTree>
-</dsp:drawing>
-</file>
-
-<file path=ppt/diagrams/drawing3.xml><?xml version="1.0" encoding="utf-8"?>
-<dsp:drawing xmlns:dgm="http://schemas.openxmlformats.org/drawingml/2006/diagram" xmlns:dsp="http://schemas.microsoft.com/office/drawing/2008/diagram" xmlns:a="http://schemas.openxmlformats.org/drawingml/2006/main">
-  <dsp:spTree>
-    <dsp:nvGrpSpPr>
-      <dsp:cNvPr id="0" name=""/>
-      <dsp:cNvGrpSpPr/>
-    </dsp:nvGrpSpPr>
-    <dsp:grpSpPr/>
-    <dsp:sp modelId="{45862EF4-C858-4ACF-AD7C-6EEE99477E38}">
+    <dsp:sp modelId="{CAD89173-FB27-4185-9206-15F07CFB70CD}">
       <dsp:nvSpPr>
         <dsp:cNvPr id="0" name=""/>
         <dsp:cNvSpPr/>
       </dsp:nvSpPr>
       <dsp:spPr>
         <a:xfrm>
-          <a:off x="0" y="974"/>
-          <a:ext cx="8822843" cy="452749"/>
+          <a:off x="0" y="1878013"/>
+          <a:ext cx="10248952" cy="565109"/>
         </a:xfrm>
-        <a:prstGeom prst="roundRect">
+        <a:prstGeom prst="rect">
           <a:avLst/>
         </a:prstGeom>
         <a:solidFill>
@@ -3741,12 +3607,12 @@
         </a:fontRef>
       </dsp:style>
       <dsp:txBody>
-        <a:bodyPr spcFirstLastPara="0" vert="horz" wrap="square" lIns="91440" tIns="91440" rIns="91440" bIns="91440" numCol="1" spcCol="1270" anchor="ctr" anchorCtr="0">
+        <a:bodyPr spcFirstLastPara="0" vert="horz" wrap="square" lIns="99060" tIns="99060" rIns="99060" bIns="99060" numCol="1" spcCol="1270" anchor="ctr" anchorCtr="0">
           <a:noAutofit/>
         </a:bodyPr>
         <a:lstStyle/>
         <a:p>
-          <a:pPr marL="0" lvl="0" indent="0" algn="l" defTabSz="1066800">
+          <a:pPr marL="0" lvl="0" indent="0" algn="l" defTabSz="1155700">
             <a:lnSpc>
               <a:spcPct val="90000"/>
             </a:lnSpc>
@@ -3759,29 +3625,29 @@
             <a:buNone/>
           </a:pPr>
           <a:r>
-            <a:rPr lang="pt-BR" sz="2400" kern="1200" dirty="0">
-              <a:latin typeface="+mj-lt"/>
+            <a:rPr lang="pt-BR" sz="2600" kern="1200" dirty="0">
+              <a:latin typeface="+mn-lt"/>
             </a:rPr>
-            <a:t>SOUSA &amp; ZORZAL (2023)</a:t>
+            <a:t>SCIMAGO INSTITUTIONS RANKINGS (2001)</a:t>
           </a:r>
         </a:p>
       </dsp:txBody>
       <dsp:txXfrm>
-        <a:off x="22101" y="23075"/>
-        <a:ext cx="8778641" cy="408547"/>
+        <a:off x="0" y="1878013"/>
+        <a:ext cx="10248952" cy="565109"/>
       </dsp:txXfrm>
     </dsp:sp>
-    <dsp:sp modelId="{38D7BD86-1995-49B1-B215-9BCB90BED778}">
+    <dsp:sp modelId="{D7422020-3255-4EBF-AA4A-0213A14CA726}">
       <dsp:nvSpPr>
         <dsp:cNvPr id="0" name=""/>
         <dsp:cNvSpPr/>
       </dsp:nvSpPr>
       <dsp:spPr>
         <a:xfrm>
-          <a:off x="0" y="464875"/>
-          <a:ext cx="8822843" cy="452749"/>
+          <a:off x="0" y="2503603"/>
+          <a:ext cx="10248952" cy="565109"/>
         </a:xfrm>
-        <a:prstGeom prst="roundRect">
+        <a:prstGeom prst="rect">
           <a:avLst/>
         </a:prstGeom>
         <a:solidFill>
@@ -3821,12 +3687,12 @@
         </a:fontRef>
       </dsp:style>
       <dsp:txBody>
-        <a:bodyPr spcFirstLastPara="0" vert="horz" wrap="square" lIns="91440" tIns="91440" rIns="91440" bIns="91440" numCol="1" spcCol="1270" anchor="ctr" anchorCtr="0">
+        <a:bodyPr spcFirstLastPara="0" vert="horz" wrap="square" lIns="99060" tIns="99060" rIns="99060" bIns="99060" numCol="1" spcCol="1270" anchor="ctr" anchorCtr="0">
           <a:noAutofit/>
         </a:bodyPr>
         <a:lstStyle/>
         <a:p>
-          <a:pPr marL="0" lvl="0" indent="0" algn="l" defTabSz="1066800">
+          <a:pPr marL="0" lvl="0" indent="0" algn="l" defTabSz="1155700">
             <a:lnSpc>
               <a:spcPct val="90000"/>
             </a:lnSpc>
@@ -3839,256 +3705,16 @@
             <a:buNone/>
           </a:pPr>
           <a:r>
-            <a:rPr lang="pt-BR" sz="2400" kern="1200" dirty="0">
-              <a:latin typeface="+mj-lt"/>
-            </a:rPr>
-            <a:t>MARLIANA (2023) </a:t>
-          </a:r>
-        </a:p>
-      </dsp:txBody>
-      <dsp:txXfrm>
-        <a:off x="22101" y="486976"/>
-        <a:ext cx="8778641" cy="408547"/>
-      </dsp:txXfrm>
-    </dsp:sp>
-    <dsp:sp modelId="{FC4D0C16-2783-47BD-8E46-1D15CFDB5A4F}">
-      <dsp:nvSpPr>
-        <dsp:cNvPr id="0" name=""/>
-        <dsp:cNvSpPr/>
-      </dsp:nvSpPr>
-      <dsp:spPr>
-        <a:xfrm>
-          <a:off x="0" y="928775"/>
-          <a:ext cx="8822843" cy="452749"/>
-        </a:xfrm>
-        <a:prstGeom prst="roundRect">
-          <a:avLst/>
-        </a:prstGeom>
-        <a:solidFill>
-          <a:schemeClr val="accent1">
-            <a:hueOff val="0"/>
-            <a:satOff val="0"/>
-            <a:lumOff val="0"/>
-            <a:alphaOff val="0"/>
-          </a:schemeClr>
-        </a:solidFill>
-        <a:ln w="12700" cap="flat" cmpd="sng" algn="ctr">
-          <a:solidFill>
-            <a:schemeClr val="lt1">
-              <a:hueOff val="0"/>
-              <a:satOff val="0"/>
-              <a:lumOff val="0"/>
-              <a:alphaOff val="0"/>
-            </a:schemeClr>
-          </a:solidFill>
-          <a:prstDash val="solid"/>
-          <a:miter lim="800000"/>
-        </a:ln>
-        <a:effectLst/>
-      </dsp:spPr>
-      <dsp:style>
-        <a:lnRef idx="2">
-          <a:scrgbClr r="0" g="0" b="0"/>
-        </a:lnRef>
-        <a:fillRef idx="1">
-          <a:scrgbClr r="0" g="0" b="0"/>
-        </a:fillRef>
-        <a:effectRef idx="0">
-          <a:scrgbClr r="0" g="0" b="0"/>
-        </a:effectRef>
-        <a:fontRef idx="minor">
-          <a:schemeClr val="lt1"/>
-        </a:fontRef>
-      </dsp:style>
-      <dsp:txBody>
-        <a:bodyPr spcFirstLastPara="0" vert="horz" wrap="square" lIns="91440" tIns="91440" rIns="91440" bIns="91440" numCol="1" spcCol="1270" anchor="ctr" anchorCtr="0">
-          <a:noAutofit/>
-        </a:bodyPr>
-        <a:lstStyle/>
-        <a:p>
-          <a:pPr marL="0" lvl="0" indent="0" algn="l" defTabSz="1066800">
-            <a:lnSpc>
-              <a:spcPct val="90000"/>
-            </a:lnSpc>
-            <a:spcBef>
-              <a:spcPct val="0"/>
-            </a:spcBef>
-            <a:spcAft>
-              <a:spcPct val="35000"/>
-            </a:spcAft>
-            <a:buNone/>
-          </a:pPr>
-          <a:r>
-            <a:rPr lang="pt-BR" sz="2400" kern="1200" dirty="0">
-              <a:latin typeface="+mj-lt"/>
-            </a:rPr>
-            <a:t>CIDESP (2024)</a:t>
-          </a:r>
-        </a:p>
-      </dsp:txBody>
-      <dsp:txXfrm>
-        <a:off x="22101" y="950876"/>
-        <a:ext cx="8778641" cy="408547"/>
-      </dsp:txXfrm>
-    </dsp:sp>
-    <dsp:sp modelId="{CAD89173-FB27-4185-9206-15F07CFB70CD}">
-      <dsp:nvSpPr>
-        <dsp:cNvPr id="0" name=""/>
-        <dsp:cNvSpPr/>
-      </dsp:nvSpPr>
-      <dsp:spPr>
-        <a:xfrm>
-          <a:off x="0" y="1392676"/>
-          <a:ext cx="8822843" cy="452749"/>
-        </a:xfrm>
-        <a:prstGeom prst="roundRect">
-          <a:avLst/>
-        </a:prstGeom>
-        <a:solidFill>
-          <a:schemeClr val="accent1">
-            <a:hueOff val="0"/>
-            <a:satOff val="0"/>
-            <a:lumOff val="0"/>
-            <a:alphaOff val="0"/>
-          </a:schemeClr>
-        </a:solidFill>
-        <a:ln w="12700" cap="flat" cmpd="sng" algn="ctr">
-          <a:solidFill>
-            <a:schemeClr val="lt1">
-              <a:hueOff val="0"/>
-              <a:satOff val="0"/>
-              <a:lumOff val="0"/>
-              <a:alphaOff val="0"/>
-            </a:schemeClr>
-          </a:solidFill>
-          <a:prstDash val="solid"/>
-          <a:miter lim="800000"/>
-        </a:ln>
-        <a:effectLst/>
-      </dsp:spPr>
-      <dsp:style>
-        <a:lnRef idx="2">
-          <a:scrgbClr r="0" g="0" b="0"/>
-        </a:lnRef>
-        <a:fillRef idx="1">
-          <a:scrgbClr r="0" g="0" b="0"/>
-        </a:fillRef>
-        <a:effectRef idx="0">
-          <a:scrgbClr r="0" g="0" b="0"/>
-        </a:effectRef>
-        <a:fontRef idx="minor">
-          <a:schemeClr val="lt1"/>
-        </a:fontRef>
-      </dsp:style>
-      <dsp:txBody>
-        <a:bodyPr spcFirstLastPara="0" vert="horz" wrap="square" lIns="91440" tIns="91440" rIns="91440" bIns="91440" numCol="1" spcCol="1270" anchor="ctr" anchorCtr="0">
-          <a:noAutofit/>
-        </a:bodyPr>
-        <a:lstStyle/>
-        <a:p>
-          <a:pPr marL="0" lvl="0" indent="0" algn="l" defTabSz="1066800">
-            <a:lnSpc>
-              <a:spcPct val="90000"/>
-            </a:lnSpc>
-            <a:spcBef>
-              <a:spcPct val="0"/>
-            </a:spcBef>
-            <a:spcAft>
-              <a:spcPct val="35000"/>
-            </a:spcAft>
-            <a:buNone/>
-          </a:pPr>
-          <a:r>
-            <a:rPr lang="pt-BR" sz="2400" kern="1200" dirty="0">
-              <a:latin typeface="+mj-lt"/>
-            </a:rPr>
-            <a:t>SCIMAGO INSTITUTIONS RANKINGS (2001)</a:t>
-          </a:r>
-        </a:p>
-      </dsp:txBody>
-      <dsp:txXfrm>
-        <a:off x="22101" y="1414777"/>
-        <a:ext cx="8778641" cy="408547"/>
-      </dsp:txXfrm>
-    </dsp:sp>
-    <dsp:sp modelId="{D7422020-3255-4EBF-AA4A-0213A14CA726}">
-      <dsp:nvSpPr>
-        <dsp:cNvPr id="0" name=""/>
-        <dsp:cNvSpPr/>
-      </dsp:nvSpPr>
-      <dsp:spPr>
-        <a:xfrm>
-          <a:off x="0" y="1856577"/>
-          <a:ext cx="8822843" cy="452749"/>
-        </a:xfrm>
-        <a:prstGeom prst="roundRect">
-          <a:avLst/>
-        </a:prstGeom>
-        <a:solidFill>
-          <a:schemeClr val="accent1">
-            <a:hueOff val="0"/>
-            <a:satOff val="0"/>
-            <a:lumOff val="0"/>
-            <a:alphaOff val="0"/>
-          </a:schemeClr>
-        </a:solidFill>
-        <a:ln w="12700" cap="flat" cmpd="sng" algn="ctr">
-          <a:solidFill>
-            <a:schemeClr val="lt1">
-              <a:hueOff val="0"/>
-              <a:satOff val="0"/>
-              <a:lumOff val="0"/>
-              <a:alphaOff val="0"/>
-            </a:schemeClr>
-          </a:solidFill>
-          <a:prstDash val="solid"/>
-          <a:miter lim="800000"/>
-        </a:ln>
-        <a:effectLst/>
-      </dsp:spPr>
-      <dsp:style>
-        <a:lnRef idx="2">
-          <a:scrgbClr r="0" g="0" b="0"/>
-        </a:lnRef>
-        <a:fillRef idx="1">
-          <a:scrgbClr r="0" g="0" b="0"/>
-        </a:fillRef>
-        <a:effectRef idx="0">
-          <a:scrgbClr r="0" g="0" b="0"/>
-        </a:effectRef>
-        <a:fontRef idx="minor">
-          <a:schemeClr val="lt1"/>
-        </a:fontRef>
-      </dsp:style>
-      <dsp:txBody>
-        <a:bodyPr spcFirstLastPara="0" vert="horz" wrap="square" lIns="91440" tIns="91440" rIns="91440" bIns="91440" numCol="1" spcCol="1270" anchor="ctr" anchorCtr="0">
-          <a:noAutofit/>
-        </a:bodyPr>
-        <a:lstStyle/>
-        <a:p>
-          <a:pPr marL="0" lvl="0" indent="0" algn="l" defTabSz="1066800">
-            <a:lnSpc>
-              <a:spcPct val="90000"/>
-            </a:lnSpc>
-            <a:spcBef>
-              <a:spcPct val="0"/>
-            </a:spcBef>
-            <a:spcAft>
-              <a:spcPct val="35000"/>
-            </a:spcAft>
-            <a:buNone/>
-          </a:pPr>
-          <a:r>
-            <a:rPr lang="pt-BR" sz="2400" kern="1200" dirty="0">
-              <a:latin typeface="+mj-lt"/>
+            <a:rPr lang="pt-BR" sz="2600" kern="1200" dirty="0">
+              <a:latin typeface="+mn-lt"/>
             </a:rPr>
             <a:t>ZANSHIN SOFTWARE / VALIN TECNOLOGIA / CRIO DIGITAL (2025)</a:t>
           </a:r>
         </a:p>
       </dsp:txBody>
       <dsp:txXfrm>
-        <a:off x="22101" y="1878678"/>
-        <a:ext cx="8778641" cy="408547"/>
+        <a:off x="0" y="2503603"/>
+        <a:ext cx="10248952" cy="565109"/>
       </dsp:txXfrm>
     </dsp:sp>
   </dsp:spTree>
@@ -8825,7 +8451,7 @@
           <a:p>
             <a:fld id="{18320935-7879-4FC8-A6C9-17BE08BC5BEB}" type="datetimeFigureOut">
               <a:rPr lang="pt-BR" smtClean="0"/>
-              <a:t>26/05/2025</a:t>
+              <a:t>29/05/2025</a:t>
             </a:fld>
             <a:endParaRPr lang="pt-BR" dirty="0"/>
           </a:p>
@@ -9239,7 +8865,7 @@
           <a:p>
             <a:fld id="{055D9AF5-8B02-462A-998E-086C6BD146E3}" type="datetime1">
               <a:rPr lang="pt-BR" smtClean="0"/>
-              <a:t>26/05/2025</a:t>
+              <a:t>29/05/2025</a:t>
             </a:fld>
             <a:endParaRPr lang="pt-BR" dirty="0"/>
           </a:p>
@@ -9437,7 +9063,7 @@
           <a:p>
             <a:fld id="{258448AC-78A4-411F-B30C-72E16663FB27}" type="datetime1">
               <a:rPr lang="pt-BR" smtClean="0"/>
-              <a:t>26/05/2025</a:t>
+              <a:t>29/05/2025</a:t>
             </a:fld>
             <a:endParaRPr lang="pt-BR" dirty="0"/>
           </a:p>
@@ -9645,7 +9271,7 @@
           <a:p>
             <a:fld id="{9F1F3115-DB14-4321-8D36-A5960E5A90C2}" type="datetime1">
               <a:rPr lang="pt-BR" smtClean="0"/>
-              <a:t>26/05/2025</a:t>
+              <a:t>29/05/2025</a:t>
             </a:fld>
             <a:endParaRPr lang="pt-BR" dirty="0"/>
           </a:p>
@@ -9843,7 +9469,7 @@
           <a:p>
             <a:fld id="{D8C6E8C3-9067-43B2-BEF6-C1F5787FC74D}" type="datetime1">
               <a:rPr lang="pt-BR" smtClean="0"/>
-              <a:t>26/05/2025</a:t>
+              <a:t>29/05/2025</a:t>
             </a:fld>
             <a:endParaRPr lang="pt-BR" dirty="0"/>
           </a:p>
@@ -10118,7 +9744,7 @@
           <a:p>
             <a:fld id="{AEDAA854-EDC2-459C-AF0A-0D60AE43886D}" type="datetime1">
               <a:rPr lang="pt-BR" smtClean="0"/>
-              <a:t>26/05/2025</a:t>
+              <a:t>29/05/2025</a:t>
             </a:fld>
             <a:endParaRPr lang="pt-BR" dirty="0"/>
           </a:p>
@@ -10383,7 +10009,7 @@
           <a:p>
             <a:fld id="{5D91D852-DAA6-48D5-92B2-C187B4D9E703}" type="datetime1">
               <a:rPr lang="pt-BR" smtClean="0"/>
-              <a:t>26/05/2025</a:t>
+              <a:t>29/05/2025</a:t>
             </a:fld>
             <a:endParaRPr lang="pt-BR" dirty="0"/>
           </a:p>
@@ -10795,7 +10421,7 @@
           <a:p>
             <a:fld id="{CDC3A4EE-7EB3-49B0-B009-2BF3B4DB4BF7}" type="datetime1">
               <a:rPr lang="pt-BR" smtClean="0"/>
-              <a:t>26/05/2025</a:t>
+              <a:t>29/05/2025</a:t>
             </a:fld>
             <a:endParaRPr lang="pt-BR" dirty="0"/>
           </a:p>
@@ -10936,7 +10562,7 @@
           <a:p>
             <a:fld id="{224C9A1C-CA50-4622-B615-0639F6347B1D}" type="datetime1">
               <a:rPr lang="pt-BR" smtClean="0"/>
-              <a:t>26/05/2025</a:t>
+              <a:t>29/05/2025</a:t>
             </a:fld>
             <a:endParaRPr lang="pt-BR" dirty="0"/>
           </a:p>
@@ -11049,7 +10675,7 @@
           <a:p>
             <a:fld id="{3D6C1E11-059F-430B-ACAB-308983ADDB72}" type="datetime1">
               <a:rPr lang="pt-BR" smtClean="0"/>
-              <a:t>26/05/2025</a:t>
+              <a:t>29/05/2025</a:t>
             </a:fld>
             <a:endParaRPr lang="pt-BR" dirty="0"/>
           </a:p>
@@ -11360,7 +10986,7 @@
           <a:p>
             <a:fld id="{D818A351-4929-4117-9E02-9240FA4BEF66}" type="datetime1">
               <a:rPr lang="pt-BR" smtClean="0"/>
-              <a:t>26/05/2025</a:t>
+              <a:t>29/05/2025</a:t>
             </a:fld>
             <a:endParaRPr lang="pt-BR" dirty="0"/>
           </a:p>
@@ -11648,7 +11274,7 @@
           <a:p>
             <a:fld id="{0717CE0E-0A9C-4DE7-9D3C-C334C624287A}" type="datetime1">
               <a:rPr lang="pt-BR" smtClean="0"/>
-              <a:t>26/05/2025</a:t>
+              <a:t>29/05/2025</a:t>
             </a:fld>
             <a:endParaRPr lang="pt-BR" dirty="0"/>
           </a:p>
@@ -11889,7 +11515,7 @@
           <a:p>
             <a:fld id="{8DEF6C12-3CCD-4BA5-AA5A-B9FCBFB668F7}" type="datetime1">
               <a:rPr lang="pt-BR" smtClean="0"/>
-              <a:t>26/05/2025</a:t>
+              <a:t>29/05/2025</a:t>
             </a:fld>
             <a:endParaRPr lang="pt-BR" dirty="0"/>
           </a:p>
@@ -12325,8 +11951,8 @@
         </p:nvSpPr>
         <p:spPr>
           <a:xfrm>
-            <a:off x="1524000" y="1778684"/>
-            <a:ext cx="9144000" cy="779174"/>
+            <a:off x="881677" y="1778618"/>
+            <a:ext cx="10349132" cy="852210"/>
           </a:xfrm>
         </p:spPr>
         <p:txBody>
@@ -12336,9 +11962,8 @@
           <a:lstStyle/>
           <a:p>
             <a:r>
-              <a:rPr lang="pt-BR" sz="2400" dirty="0">
-                <a:latin typeface="Arial" panose="020B0604020202020204" pitchFamily="34" charset="0"/>
-                <a:cs typeface="Arial" panose="020B0604020202020204" pitchFamily="34" charset="0"/>
+              <a:rPr lang="pt-BR" sz="3200" b="1" dirty="0">
+                <a:cs typeface="Times New Roman" panose="02020603050405020304" pitchFamily="18" charset="0"/>
               </a:rPr>
               <a:t>SISTEMAS PARA GRUPOS DE ESTUDOS MUSICAIS – CONGREGAÇÃO CRISTÃ NO BRASIL</a:t>
             </a:r>
@@ -12375,8 +12000,7 @@
           <a:p>
             <a:pPr algn="l"/>
             <a:r>
-              <a:rPr lang="pt-BR" dirty="0">
-                <a:latin typeface="+mj-lt"/>
+              <a:rPr lang="pt-BR" sz="2600" dirty="0">
                 <a:cs typeface="Arial" panose="020B0604020202020204" pitchFamily="34" charset="0"/>
               </a:rPr>
               <a:t>- Luan Guilherme da Cruz Menezes</a:t>
@@ -12385,8 +12009,7 @@
           <a:p>
             <a:pPr algn="l"/>
             <a:r>
-              <a:rPr lang="pt-BR" dirty="0">
-                <a:latin typeface="+mj-lt"/>
+              <a:rPr lang="pt-BR" sz="2600" dirty="0">
                 <a:cs typeface="Arial" panose="020B0604020202020204" pitchFamily="34" charset="0"/>
               </a:rPr>
               <a:t>- Liceu Santista</a:t>
@@ -12395,8 +12018,7 @@
           <a:p>
             <a:pPr algn="l"/>
             <a:r>
-              <a:rPr lang="pt-BR" dirty="0">
-                <a:latin typeface="+mj-lt"/>
+              <a:rPr lang="pt-BR" sz="2600" dirty="0">
                 <a:cs typeface="Arial" panose="020B0604020202020204" pitchFamily="34" charset="0"/>
               </a:rPr>
               <a:t>- Santos, SP</a:t>
@@ -12405,8 +12027,7 @@
           <a:p>
             <a:pPr algn="l"/>
             <a:r>
-              <a:rPr lang="pt-BR" dirty="0">
-                <a:latin typeface="+mj-lt"/>
+              <a:rPr lang="pt-BR" sz="2600" dirty="0">
                 <a:cs typeface="Arial" panose="020B0604020202020204" pitchFamily="34" charset="0"/>
               </a:rPr>
               <a:t>- 2025</a:t>
@@ -12564,6 +12185,43 @@
           <a:chExt cx="0" cy="0"/>
         </a:xfrm>
       </p:grpSpPr>
+      <p:sp>
+        <p:nvSpPr>
+          <p:cNvPr id="2" name="Título 1">
+            <a:extLst>
+              <a:ext uri="{FF2B5EF4-FFF2-40B4-BE49-F238E27FC236}">
+                <a16:creationId xmlns:a16="http://schemas.microsoft.com/office/drawing/2014/main" id="{5E447ACB-E7DF-4BBE-AC44-A1AC9F22CAC8}"/>
+              </a:ext>
+            </a:extLst>
+          </p:cNvPr>
+          <p:cNvSpPr>
+            <a:spLocks noGrp="1"/>
+          </p:cNvSpPr>
+          <p:nvPr>
+            <p:ph type="ctrTitle"/>
+          </p:nvPr>
+        </p:nvSpPr>
+        <p:spPr>
+          <a:xfrm>
+            <a:off x="1524000" y="1674677"/>
+            <a:ext cx="9144000" cy="598093"/>
+          </a:xfrm>
+        </p:spPr>
+        <p:txBody>
+          <a:bodyPr>
+            <a:noAutofit/>
+          </a:bodyPr>
+          <a:lstStyle/>
+          <a:p>
+            <a:r>
+              <a:rPr lang="pt-BR" sz="3200" b="1" dirty="0">
+                <a:cs typeface="Arial" panose="020B0604020202020204" pitchFamily="34" charset="0"/>
+              </a:rPr>
+              <a:t>DESENVOLVIMENTO – DAGRAMA DE CASO DE USO</a:t>
+            </a:r>
+          </a:p>
+        </p:txBody>
+      </p:sp>
       <p:pic>
         <p:nvPicPr>
           <p:cNvPr id="4" name="Imagem 3">
@@ -12686,10 +12344,10 @@
       </p:pic>
       <p:pic>
         <p:nvPicPr>
-          <p:cNvPr id="8" name="Imagem 7">
+          <p:cNvPr id="7" name="Imagem 6">
             <a:extLst>
               <a:ext uri="{FF2B5EF4-FFF2-40B4-BE49-F238E27FC236}">
-                <a16:creationId xmlns:a16="http://schemas.microsoft.com/office/drawing/2014/main" id="{51808DD4-D2C2-404B-B539-FC6D08A17493}"/>
+                <a16:creationId xmlns:a16="http://schemas.microsoft.com/office/drawing/2014/main" id="{5707620A-1CA0-4194-A31A-91EE2B40F633}"/>
               </a:ext>
             </a:extLst>
           </p:cNvPr>
@@ -12697,36 +12355,25 @@
           <p:nvPr/>
         </p:nvPicPr>
         <p:blipFill>
-          <a:blip r:embed="rId5">
-            <a:extLst>
-              <a:ext uri="{28A0092B-C50C-407E-A947-70E740481C1C}">
-                <a14:useLocalDpi xmlns:a14="http://schemas.microsoft.com/office/drawing/2010/main" val="0"/>
-              </a:ext>
-            </a:extLst>
-          </a:blip>
-          <a:srcRect/>
+          <a:blip r:embed="rId5"/>
           <a:stretch>
             <a:fillRect/>
           </a:stretch>
         </p:blipFill>
-        <p:spPr bwMode="auto">
+        <p:spPr>
           <a:xfrm>
-            <a:off x="2658794" y="1625379"/>
-            <a:ext cx="6527409" cy="4958639"/>
+            <a:off x="2056888" y="2272770"/>
+            <a:ext cx="8078224" cy="4311248"/>
           </a:xfrm>
           <a:prstGeom prst="rect">
             <a:avLst/>
           </a:prstGeom>
-          <a:noFill/>
-          <a:ln>
-            <a:noFill/>
-          </a:ln>
         </p:spPr>
       </p:pic>
     </p:spTree>
     <p:extLst>
       <p:ext uri="{BB962C8B-B14F-4D97-AF65-F5344CB8AC3E}">
-        <p14:creationId xmlns:p14="http://schemas.microsoft.com/office/powerpoint/2010/main" val="2424325691"/>
+        <p14:creationId xmlns:p14="http://schemas.microsoft.com/office/powerpoint/2010/main" val="580873634"/>
       </p:ext>
     </p:extLst>
   </p:cSld>
@@ -12771,6 +12418,541 @@
         </p:nvSpPr>
         <p:spPr>
           <a:xfrm>
+            <a:off x="1524000" y="1674677"/>
+            <a:ext cx="9144000" cy="598093"/>
+          </a:xfrm>
+        </p:spPr>
+        <p:txBody>
+          <a:bodyPr>
+            <a:noAutofit/>
+          </a:bodyPr>
+          <a:lstStyle/>
+          <a:p>
+            <a:r>
+              <a:rPr lang="pt-BR" sz="3200" b="1" dirty="0">
+                <a:cs typeface="Arial" panose="020B0604020202020204" pitchFamily="34" charset="0"/>
+              </a:rPr>
+              <a:t>DESENVOLVIMENTO – FERRAMENTAS TÉCNICAS</a:t>
+            </a:r>
+          </a:p>
+        </p:txBody>
+      </p:sp>
+      <p:pic>
+        <p:nvPicPr>
+          <p:cNvPr id="4" name="Imagem 3">
+            <a:extLst>
+              <a:ext uri="{FF2B5EF4-FFF2-40B4-BE49-F238E27FC236}">
+                <a16:creationId xmlns:a16="http://schemas.microsoft.com/office/drawing/2014/main" id="{4DE49855-8442-4D60-81FD-DFE2DB045AC2}"/>
+              </a:ext>
+            </a:extLst>
+          </p:cNvPr>
+          <p:cNvPicPr/>
+          <p:nvPr/>
+        </p:nvPicPr>
+        <p:blipFill>
+          <a:blip r:embed="rId2">
+            <a:extLst>
+              <a:ext uri="{28A0092B-C50C-407E-A947-70E740481C1C}">
+                <a14:useLocalDpi xmlns:a14="http://schemas.microsoft.com/office/drawing/2010/main" val="0"/>
+              </a:ext>
+            </a:extLst>
+          </a:blip>
+          <a:srcRect/>
+          <a:stretch>
+            <a:fillRect/>
+          </a:stretch>
+        </p:blipFill>
+        <p:spPr bwMode="auto">
+          <a:xfrm>
+            <a:off x="901148" y="207031"/>
+            <a:ext cx="1958215" cy="977900"/>
+          </a:xfrm>
+          <a:prstGeom prst="rect">
+            <a:avLst/>
+          </a:prstGeom>
+          <a:noFill/>
+          <a:ln>
+            <a:noFill/>
+          </a:ln>
+        </p:spPr>
+      </p:pic>
+      <p:pic>
+        <p:nvPicPr>
+          <p:cNvPr id="5" name="Imagem 4">
+            <a:extLst>
+              <a:ext uri="{FF2B5EF4-FFF2-40B4-BE49-F238E27FC236}">
+                <a16:creationId xmlns:a16="http://schemas.microsoft.com/office/drawing/2014/main" id="{00EB44F1-66E6-49A0-94D9-09FA009430BD}"/>
+              </a:ext>
+            </a:extLst>
+          </p:cNvPr>
+          <p:cNvPicPr/>
+          <p:nvPr/>
+        </p:nvPicPr>
+        <p:blipFill>
+          <a:blip r:embed="rId3">
+            <a:extLst>
+              <a:ext uri="{28A0092B-C50C-407E-A947-70E740481C1C}">
+                <a14:useLocalDpi xmlns:a14="http://schemas.microsoft.com/office/drawing/2010/main" val="0"/>
+              </a:ext>
+            </a:extLst>
+          </a:blip>
+          <a:stretch>
+            <a:fillRect/>
+          </a:stretch>
+        </p:blipFill>
+        <p:spPr>
+          <a:xfrm>
+            <a:off x="8481392" y="273982"/>
+            <a:ext cx="3142076" cy="852210"/>
+          </a:xfrm>
+          <a:prstGeom prst="rect">
+            <a:avLst/>
+          </a:prstGeom>
+        </p:spPr>
+      </p:pic>
+      <p:pic>
+        <p:nvPicPr>
+          <p:cNvPr id="6" name="Picture 2" descr="Estatuto - Congregação Cristã no Brasil">
+            <a:extLst>
+              <a:ext uri="{FF2B5EF4-FFF2-40B4-BE49-F238E27FC236}">
+                <a16:creationId xmlns:a16="http://schemas.microsoft.com/office/drawing/2014/main" id="{FC881A6D-7AF2-481C-BB2C-BE3EEC308308}"/>
+              </a:ext>
+            </a:extLst>
+          </p:cNvPr>
+          <p:cNvPicPr>
+            <a:picLocks noChangeAspect="1" noChangeArrowheads="1"/>
+          </p:cNvPicPr>
+          <p:nvPr/>
+        </p:nvPicPr>
+        <p:blipFill>
+          <a:blip r:embed="rId4">
+            <a:extLst>
+              <a:ext uri="{28A0092B-C50C-407E-A947-70E740481C1C}">
+                <a14:useLocalDpi xmlns:a14="http://schemas.microsoft.com/office/drawing/2010/main" val="0"/>
+              </a:ext>
+            </a:extLst>
+          </a:blip>
+          <a:srcRect/>
+          <a:stretch>
+            <a:fillRect/>
+          </a:stretch>
+        </p:blipFill>
+        <p:spPr bwMode="auto">
+          <a:xfrm>
+            <a:off x="4838269" y="207031"/>
+            <a:ext cx="2435948" cy="1235129"/>
+          </a:xfrm>
+          <a:prstGeom prst="rect">
+            <a:avLst/>
+          </a:prstGeom>
+          <a:noFill/>
+          <a:extLst>
+            <a:ext uri="{909E8E84-426E-40DD-AFC4-6F175D3DCCD1}">
+              <a14:hiddenFill xmlns:a14="http://schemas.microsoft.com/office/drawing/2010/main">
+                <a:solidFill>
+                  <a:srgbClr val="FFFFFF"/>
+                </a:solidFill>
+              </a14:hiddenFill>
+            </a:ext>
+          </a:extLst>
+        </p:spPr>
+      </p:pic>
+      <p:sp>
+        <p:nvSpPr>
+          <p:cNvPr id="8" name="Subtítulo 2">
+            <a:extLst>
+              <a:ext uri="{FF2B5EF4-FFF2-40B4-BE49-F238E27FC236}">
+                <a16:creationId xmlns:a16="http://schemas.microsoft.com/office/drawing/2014/main" id="{3C054835-E4AE-485A-9C62-CC4E7F11DB31}"/>
+              </a:ext>
+            </a:extLst>
+          </p:cNvPr>
+          <p:cNvSpPr>
+            <a:spLocks noGrp="1"/>
+          </p:cNvSpPr>
+          <p:nvPr>
+            <p:ph type="subTitle" idx="1"/>
+          </p:nvPr>
+        </p:nvSpPr>
+        <p:spPr>
+          <a:xfrm>
+            <a:off x="1580113" y="2544160"/>
+            <a:ext cx="9750495" cy="1942387"/>
+          </a:xfrm>
+        </p:spPr>
+        <p:txBody>
+          <a:bodyPr>
+            <a:normAutofit/>
+          </a:bodyPr>
+          <a:lstStyle/>
+          <a:p>
+            <a:pPr marL="457200" indent="-457200" algn="l">
+              <a:buFontTx/>
+              <a:buChar char="-"/>
+            </a:pPr>
+            <a:r>
+              <a:rPr lang="pt-BR" sz="2600" dirty="0" err="1">
+                <a:ea typeface="Calibri" panose="020F0502020204030204" pitchFamily="34" charset="0"/>
+              </a:rPr>
+              <a:t>WindowsForms</a:t>
+            </a:r>
+            <a:r>
+              <a:rPr lang="pt-BR" sz="2600" dirty="0">
+                <a:ea typeface="Calibri" panose="020F0502020204030204" pitchFamily="34" charset="0"/>
+              </a:rPr>
+              <a:t>: Ambiente de Desenvolvimento</a:t>
+            </a:r>
+          </a:p>
+          <a:p>
+            <a:pPr marL="457200" indent="-457200" algn="l">
+              <a:buFontTx/>
+              <a:buChar char="-"/>
+            </a:pPr>
+            <a:r>
+              <a:rPr lang="pt-BR" sz="2600" dirty="0">
+                <a:ea typeface="Calibri" panose="020F0502020204030204" pitchFamily="34" charset="0"/>
+              </a:rPr>
+              <a:t>C#: Back-</a:t>
+            </a:r>
+            <a:r>
+              <a:rPr lang="pt-BR" sz="2600" dirty="0" err="1">
+                <a:ea typeface="Calibri" panose="020F0502020204030204" pitchFamily="34" charset="0"/>
+              </a:rPr>
+              <a:t>End</a:t>
+            </a:r>
+            <a:r>
+              <a:rPr lang="pt-BR" sz="2600" dirty="0">
+                <a:ea typeface="Calibri" panose="020F0502020204030204" pitchFamily="34" charset="0"/>
+              </a:rPr>
+              <a:t> e Front-</a:t>
+            </a:r>
+            <a:r>
+              <a:rPr lang="pt-BR" sz="2600" dirty="0" err="1">
+                <a:ea typeface="Calibri" panose="020F0502020204030204" pitchFamily="34" charset="0"/>
+              </a:rPr>
+              <a:t>End</a:t>
+            </a:r>
+            <a:endParaRPr lang="pt-BR" sz="2600" dirty="0">
+              <a:ea typeface="Calibri" panose="020F0502020204030204" pitchFamily="34" charset="0"/>
+            </a:endParaRPr>
+          </a:p>
+          <a:p>
+            <a:pPr marL="457200" indent="-457200" algn="l">
+              <a:buFontTx/>
+              <a:buChar char="-"/>
+            </a:pPr>
+            <a:r>
+              <a:rPr lang="pt-BR" sz="2600" dirty="0" err="1">
+                <a:ea typeface="Calibri" panose="020F0502020204030204" pitchFamily="34" charset="0"/>
+              </a:rPr>
+              <a:t>MySql</a:t>
+            </a:r>
+            <a:r>
+              <a:rPr lang="pt-BR" sz="2600" dirty="0">
+                <a:ea typeface="Calibri" panose="020F0502020204030204" pitchFamily="34" charset="0"/>
+              </a:rPr>
+              <a:t>: Banco de Dados</a:t>
+            </a:r>
+          </a:p>
+          <a:p>
+            <a:pPr marL="457200" indent="-457200" algn="l">
+              <a:buFontTx/>
+              <a:buChar char="-"/>
+            </a:pPr>
+            <a:r>
+              <a:rPr lang="pt-BR" sz="2600" dirty="0" err="1">
+                <a:ea typeface="Calibri" panose="020F0502020204030204" pitchFamily="34" charset="0"/>
+              </a:rPr>
+              <a:t>Github</a:t>
+            </a:r>
+            <a:r>
+              <a:rPr lang="pt-BR" sz="2600" dirty="0">
+                <a:ea typeface="Calibri" panose="020F0502020204030204" pitchFamily="34" charset="0"/>
+              </a:rPr>
+              <a:t>: Hospedagem </a:t>
+            </a:r>
+            <a:r>
+              <a:rPr lang="pt-BR" sz="2600" dirty="0">
+                <a:effectLst/>
+                <a:ea typeface="Calibri" panose="020F0502020204030204" pitchFamily="34" charset="0"/>
+              </a:rPr>
+              <a:t>e controle de versão de código-fonte</a:t>
+            </a:r>
+            <a:endParaRPr lang="pt-BR" sz="2600" dirty="0">
+              <a:ea typeface="Calibri" panose="020F0502020204030204" pitchFamily="34" charset="0"/>
+            </a:endParaRPr>
+          </a:p>
+          <a:p>
+            <a:pPr marL="457200" indent="-457200" algn="l">
+              <a:buFontTx/>
+              <a:buChar char="-"/>
+            </a:pPr>
+            <a:endParaRPr lang="pt-BR" b="1" dirty="0">
+              <a:effectLst/>
+              <a:latin typeface="+mj-lt"/>
+              <a:ea typeface="Calibri" panose="020F0502020204030204" pitchFamily="34" charset="0"/>
+            </a:endParaRPr>
+          </a:p>
+        </p:txBody>
+      </p:sp>
+      <p:pic>
+        <p:nvPicPr>
+          <p:cNvPr id="9" name="Imagem 8">
+            <a:extLst>
+              <a:ext uri="{FF2B5EF4-FFF2-40B4-BE49-F238E27FC236}">
+                <a16:creationId xmlns:a16="http://schemas.microsoft.com/office/drawing/2014/main" id="{0299B6C8-273E-4BC7-ADA3-0A2B5E1BBA9E}"/>
+              </a:ext>
+            </a:extLst>
+          </p:cNvPr>
+          <p:cNvPicPr>
+            <a:picLocks noChangeAspect="1"/>
+          </p:cNvPicPr>
+          <p:nvPr/>
+        </p:nvPicPr>
+        <p:blipFill>
+          <a:blip r:embed="rId5">
+            <a:extLst>
+              <a:ext uri="{28A0092B-C50C-407E-A947-70E740481C1C}">
+                <a14:useLocalDpi xmlns:a14="http://schemas.microsoft.com/office/drawing/2010/main" val="0"/>
+              </a:ext>
+            </a:extLst>
+          </a:blip>
+          <a:stretch>
+            <a:fillRect/>
+          </a:stretch>
+        </p:blipFill>
+        <p:spPr>
+          <a:xfrm>
+            <a:off x="1524000" y="4857269"/>
+            <a:ext cx="1640343" cy="1640343"/>
+          </a:xfrm>
+          <a:prstGeom prst="rect">
+            <a:avLst/>
+          </a:prstGeom>
+        </p:spPr>
+      </p:pic>
+      <p:sp>
+        <p:nvSpPr>
+          <p:cNvPr id="10" name="AutoShape 4" descr="C Logo - C# Programming Language Logo - CleanPNG">
+            <a:extLst>
+              <a:ext uri="{FF2B5EF4-FFF2-40B4-BE49-F238E27FC236}">
+                <a16:creationId xmlns:a16="http://schemas.microsoft.com/office/drawing/2014/main" id="{0D692E40-8EFE-4B83-B668-41326093FEC3}"/>
+              </a:ext>
+            </a:extLst>
+          </p:cNvPr>
+          <p:cNvSpPr>
+            <a:spLocks noChangeAspect="1" noChangeArrowheads="1"/>
+          </p:cNvSpPr>
+          <p:nvPr/>
+        </p:nvSpPr>
+        <p:spPr bwMode="auto">
+          <a:xfrm>
+            <a:off x="5943600" y="3276600"/>
+            <a:ext cx="304800" cy="304800"/>
+          </a:xfrm>
+          <a:prstGeom prst="rect">
+            <a:avLst/>
+          </a:prstGeom>
+          <a:noFill/>
+          <a:extLst>
+            <a:ext uri="{909E8E84-426E-40DD-AFC4-6F175D3DCCD1}">
+              <a14:hiddenFill xmlns:a14="http://schemas.microsoft.com/office/drawing/2010/main">
+                <a:solidFill>
+                  <a:srgbClr val="FFFFFF"/>
+                </a:solidFill>
+              </a14:hiddenFill>
+            </a:ext>
+          </a:extLst>
+        </p:spPr>
+        <p:txBody>
+          <a:bodyPr vert="horz" wrap="square" lIns="91440" tIns="45720" rIns="91440" bIns="45720" numCol="1" anchor="t" anchorCtr="0" compatLnSpc="1">
+            <a:prstTxWarp prst="textNoShape">
+              <a:avLst/>
+            </a:prstTxWarp>
+          </a:bodyPr>
+          <a:lstStyle/>
+          <a:p>
+            <a:endParaRPr lang="pt-BR"/>
+          </a:p>
+        </p:txBody>
+      </p:sp>
+      <p:pic>
+        <p:nvPicPr>
+          <p:cNvPr id="1034" name="Picture 10">
+            <a:extLst>
+              <a:ext uri="{FF2B5EF4-FFF2-40B4-BE49-F238E27FC236}">
+                <a16:creationId xmlns:a16="http://schemas.microsoft.com/office/drawing/2014/main" id="{8330AF2A-6978-4969-81CE-D1351BFBFD49}"/>
+              </a:ext>
+            </a:extLst>
+          </p:cNvPr>
+          <p:cNvPicPr>
+            <a:picLocks noChangeAspect="1" noChangeArrowheads="1"/>
+          </p:cNvPicPr>
+          <p:nvPr/>
+        </p:nvPicPr>
+        <p:blipFill>
+          <a:blip r:embed="rId6">
+            <a:extLst>
+              <a:ext uri="{28A0092B-C50C-407E-A947-70E740481C1C}">
+                <a14:useLocalDpi xmlns:a14="http://schemas.microsoft.com/office/drawing/2010/main" val="0"/>
+              </a:ext>
+            </a:extLst>
+          </a:blip>
+          <a:srcRect/>
+          <a:stretch>
+            <a:fillRect/>
+          </a:stretch>
+        </p:blipFill>
+        <p:spPr bwMode="auto">
+          <a:xfrm>
+            <a:off x="3059808" y="4440245"/>
+            <a:ext cx="2590472" cy="2590472"/>
+          </a:xfrm>
+          <a:prstGeom prst="rect">
+            <a:avLst/>
+          </a:prstGeom>
+          <a:noFill/>
+          <a:extLst>
+            <a:ext uri="{909E8E84-426E-40DD-AFC4-6F175D3DCCD1}">
+              <a14:hiddenFill xmlns:a14="http://schemas.microsoft.com/office/drawing/2010/main">
+                <a:solidFill>
+                  <a:srgbClr val="FFFFFF"/>
+                </a:solidFill>
+              </a14:hiddenFill>
+            </a:ext>
+          </a:extLst>
+        </p:spPr>
+      </p:pic>
+      <p:pic>
+        <p:nvPicPr>
+          <p:cNvPr id="14" name="Imagem 13">
+            <a:extLst>
+              <a:ext uri="{FF2B5EF4-FFF2-40B4-BE49-F238E27FC236}">
+                <a16:creationId xmlns:a16="http://schemas.microsoft.com/office/drawing/2014/main" id="{C525F942-DE89-483F-B93F-CE601A31C447}"/>
+              </a:ext>
+            </a:extLst>
+          </p:cNvPr>
+          <p:cNvPicPr>
+            <a:picLocks noChangeAspect="1"/>
+          </p:cNvPicPr>
+          <p:nvPr/>
+        </p:nvPicPr>
+        <p:blipFill>
+          <a:blip r:embed="rId7">
+            <a:extLst>
+              <a:ext uri="{28A0092B-C50C-407E-A947-70E740481C1C}">
+                <a14:useLocalDpi xmlns:a14="http://schemas.microsoft.com/office/drawing/2010/main" val="0"/>
+              </a:ext>
+            </a:extLst>
+          </a:blip>
+          <a:stretch>
+            <a:fillRect/>
+          </a:stretch>
+        </p:blipFill>
+        <p:spPr>
+          <a:xfrm>
+            <a:off x="5485476" y="4854483"/>
+            <a:ext cx="2804945" cy="2100063"/>
+          </a:xfrm>
+          <a:prstGeom prst="rect">
+            <a:avLst/>
+          </a:prstGeom>
+        </p:spPr>
+      </p:pic>
+      <p:pic>
+        <p:nvPicPr>
+          <p:cNvPr id="1038" name="Picture 14" descr="GitHub Logo and symbol, meaning, history, PNG, brand">
+            <a:extLst>
+              <a:ext uri="{FF2B5EF4-FFF2-40B4-BE49-F238E27FC236}">
+                <a16:creationId xmlns:a16="http://schemas.microsoft.com/office/drawing/2014/main" id="{755D463F-7907-488A-8E14-5CB98B5C0571}"/>
+              </a:ext>
+            </a:extLst>
+          </p:cNvPr>
+          <p:cNvPicPr>
+            <a:picLocks noChangeAspect="1" noChangeArrowheads="1"/>
+          </p:cNvPicPr>
+          <p:nvPr/>
+        </p:nvPicPr>
+        <p:blipFill>
+          <a:blip r:embed="rId8">
+            <a:extLst>
+              <a:ext uri="{28A0092B-C50C-407E-A947-70E740481C1C}">
+                <a14:useLocalDpi xmlns:a14="http://schemas.microsoft.com/office/drawing/2010/main" val="0"/>
+              </a:ext>
+            </a:extLst>
+          </a:blip>
+          <a:srcRect/>
+          <a:stretch>
+            <a:fillRect/>
+          </a:stretch>
+        </p:blipFill>
+        <p:spPr bwMode="auto">
+          <a:xfrm>
+            <a:off x="8263853" y="4857269"/>
+            <a:ext cx="2585068" cy="1454101"/>
+          </a:xfrm>
+          <a:prstGeom prst="rect">
+            <a:avLst/>
+          </a:prstGeom>
+          <a:noFill/>
+          <a:extLst>
+            <a:ext uri="{909E8E84-426E-40DD-AFC4-6F175D3DCCD1}">
+              <a14:hiddenFill xmlns:a14="http://schemas.microsoft.com/office/drawing/2010/main">
+                <a:solidFill>
+                  <a:srgbClr val="FFFFFF"/>
+                </a:solidFill>
+              </a14:hiddenFill>
+            </a:ext>
+          </a:extLst>
+        </p:spPr>
+      </p:pic>
+    </p:spTree>
+    <p:extLst>
+      <p:ext uri="{BB962C8B-B14F-4D97-AF65-F5344CB8AC3E}">
+        <p14:creationId xmlns:p14="http://schemas.microsoft.com/office/powerpoint/2010/main" val="702873343"/>
+      </p:ext>
+    </p:extLst>
+  </p:cSld>
+  <p:clrMapOvr>
+    <a:masterClrMapping/>
+  </p:clrMapOvr>
+</p:sld>
+</file>
+
+<file path=ppt/slides/slide12.xml><?xml version="1.0" encoding="utf-8"?>
+<p:sld xmlns:a="http://schemas.openxmlformats.org/drawingml/2006/main" xmlns:r="http://schemas.openxmlformats.org/officeDocument/2006/relationships" xmlns:p="http://schemas.openxmlformats.org/presentationml/2006/main">
+  <p:cSld>
+    <p:spTree>
+      <p:nvGrpSpPr>
+        <p:cNvPr id="1" name=""/>
+        <p:cNvGrpSpPr/>
+        <p:nvPr/>
+      </p:nvGrpSpPr>
+      <p:grpSpPr>
+        <a:xfrm>
+          <a:off x="0" y="0"/>
+          <a:ext cx="0" cy="0"/>
+          <a:chOff x="0" y="0"/>
+          <a:chExt cx="0" cy="0"/>
+        </a:xfrm>
+      </p:grpSpPr>
+      <p:sp>
+        <p:nvSpPr>
+          <p:cNvPr id="2" name="Título 1">
+            <a:extLst>
+              <a:ext uri="{FF2B5EF4-FFF2-40B4-BE49-F238E27FC236}">
+                <a16:creationId xmlns:a16="http://schemas.microsoft.com/office/drawing/2014/main" id="{5E447ACB-E7DF-4BBE-AC44-A1AC9F22CAC8}"/>
+              </a:ext>
+            </a:extLst>
+          </p:cNvPr>
+          <p:cNvSpPr>
+            <a:spLocks noGrp="1"/>
+          </p:cNvSpPr>
+          <p:nvPr>
+            <p:ph type="ctrTitle"/>
+          </p:nvPr>
+        </p:nvSpPr>
+        <p:spPr>
+          <a:xfrm>
             <a:off x="1524000" y="1710281"/>
             <a:ext cx="9144000" cy="536243"/>
           </a:xfrm>
@@ -12782,8 +12964,7 @@
           <a:lstStyle/>
           <a:p>
             <a:r>
-              <a:rPr lang="pt-BR" sz="2400" dirty="0">
-                <a:latin typeface="Arial" panose="020B0604020202020204" pitchFamily="34" charset="0"/>
+              <a:rPr lang="pt-BR" sz="3200" b="1" dirty="0">
                 <a:cs typeface="Arial" panose="020B0604020202020204" pitchFamily="34" charset="0"/>
               </a:rPr>
               <a:t>DISCUSSÃO</a:t>
@@ -12973,7 +13154,7 @@
 </p:sld>
 </file>
 
-<file path=ppt/slides/slide12.xml><?xml version="1.0" encoding="utf-8"?>
+<file path=ppt/slides/slide13.xml><?xml version="1.0" encoding="utf-8"?>
 <p:sld xmlns:a="http://schemas.openxmlformats.org/drawingml/2006/main" xmlns:r="http://schemas.openxmlformats.org/officeDocument/2006/relationships" xmlns:p="http://schemas.openxmlformats.org/presentationml/2006/main">
   <p:cSld>
     <p:spTree>
@@ -13217,7 +13398,7 @@
 </p:sld>
 </file>
 
-<file path=ppt/slides/slide13.xml><?xml version="1.0" encoding="utf-8"?>
+<file path=ppt/slides/slide14.xml><?xml version="1.0" encoding="utf-8"?>
 <p:sld xmlns:a="http://schemas.openxmlformats.org/drawingml/2006/main" xmlns:r="http://schemas.openxmlformats.org/officeDocument/2006/relationships" xmlns:p="http://schemas.openxmlformats.org/presentationml/2006/main">
   <p:cSld>
     <p:spTree>
@@ -13441,7 +13622,7 @@
 </p:sld>
 </file>
 
-<file path=ppt/slides/slide14.xml><?xml version="1.0" encoding="utf-8"?>
+<file path=ppt/slides/slide15.xml><?xml version="1.0" encoding="utf-8"?>
 <p:sld xmlns:a="http://schemas.openxmlformats.org/drawingml/2006/main" xmlns:r="http://schemas.openxmlformats.org/officeDocument/2006/relationships" xmlns:p="http://schemas.openxmlformats.org/presentationml/2006/main">
   <p:cSld>
     <p:spTree>
@@ -13695,7 +13876,7 @@
           <p:nvPr>
             <p:extLst>
               <p:ext uri="{D42A27DB-BD31-4B8C-83A1-F6EECF244321}">
-                <p14:modId xmlns:p14="http://schemas.microsoft.com/office/powerpoint/2010/main" val="3081011038"/>
+                <p14:modId xmlns:p14="http://schemas.microsoft.com/office/powerpoint/2010/main" val="4178186195"/>
               </p:ext>
             </p:extLst>
           </p:nvPr>
@@ -13859,8 +14040,7 @@
           <a:lstStyle/>
           <a:p>
             <a:r>
-              <a:rPr lang="pt-BR" sz="2400" dirty="0">
-                <a:latin typeface="Arial" panose="020B0604020202020204" pitchFamily="34" charset="0"/>
+              <a:rPr lang="pt-BR" sz="3200" b="1" dirty="0">
                 <a:cs typeface="Arial" panose="020B0604020202020204" pitchFamily="34" charset="0"/>
               </a:rPr>
               <a:t>INTRODUÇÃO</a:t>
@@ -13927,8 +14107,7 @@
           <a:lstStyle/>
           <a:p>
             <a:r>
-              <a:rPr lang="pt-BR" sz="2400" dirty="0">
-                <a:latin typeface="Arial" panose="020B0604020202020204" pitchFamily="34" charset="0"/>
+              <a:rPr lang="pt-BR" sz="3200" b="1" dirty="0">
                 <a:cs typeface="Arial" panose="020B0604020202020204" pitchFamily="34" charset="0"/>
               </a:rPr>
               <a:t>PROBLEMA DE PESQUISA</a:t>
@@ -13949,7 +14128,7 @@
           <p:nvPr>
             <p:extLst>
               <p:ext uri="{D42A27DB-BD31-4B8C-83A1-F6EECF244321}">
-                <p14:modId xmlns:p14="http://schemas.microsoft.com/office/powerpoint/2010/main" val="117293092"/>
+                <p14:modId xmlns:p14="http://schemas.microsoft.com/office/powerpoint/2010/main" val="2277461251"/>
               </p:ext>
             </p:extLst>
           </p:nvPr>
@@ -14084,6 +14263,42 @@
           </a:extLst>
         </p:spPr>
       </p:pic>
+      <p:sp>
+        <p:nvSpPr>
+          <p:cNvPr id="3" name="CaixaDeTexto 2">
+            <a:extLst>
+              <a:ext uri="{FF2B5EF4-FFF2-40B4-BE49-F238E27FC236}">
+                <a16:creationId xmlns:a16="http://schemas.microsoft.com/office/drawing/2014/main" id="{A1A6D9AA-B59F-4FCD-8294-FFF484E5B6E9}"/>
+              </a:ext>
+            </a:extLst>
+          </p:cNvPr>
+          <p:cNvSpPr txBox="1"/>
+          <p:nvPr/>
+        </p:nvSpPr>
+        <p:spPr>
+          <a:xfrm>
+            <a:off x="1695524" y="2680014"/>
+            <a:ext cx="8972476" cy="1292662"/>
+          </a:xfrm>
+          <a:prstGeom prst="rect">
+            <a:avLst/>
+          </a:prstGeom>
+          <a:noFill/>
+        </p:spPr>
+        <p:txBody>
+          <a:bodyPr wrap="square" rtlCol="0">
+            <a:spAutoFit/>
+          </a:bodyPr>
+          <a:lstStyle/>
+          <a:p>
+            <a:pPr algn="just"/>
+            <a:r>
+              <a:rPr lang="pt-BR" sz="2600" dirty="0"/>
+              <a:t>Como automatizar o cadastro de alunos, a gestão de instrumentos e os processos de avaliação, de forma a tornar essas atividades mais eficientes, organizadas e transparentes?</a:t>
+            </a:r>
+          </a:p>
+        </p:txBody>
+      </p:sp>
     </p:spTree>
     <p:extLst>
       <p:ext uri="{BB962C8B-B14F-4D97-AF65-F5344CB8AC3E}">
@@ -14138,13 +14353,12 @@
         </p:spPr>
         <p:txBody>
           <a:bodyPr>
-            <a:normAutofit/>
+            <a:noAutofit/>
           </a:bodyPr>
           <a:lstStyle/>
           <a:p>
             <a:r>
-              <a:rPr lang="pt-BR" sz="2400" dirty="0">
-                <a:latin typeface="Arial" panose="020B0604020202020204" pitchFamily="34" charset="0"/>
+              <a:rPr lang="pt-BR" sz="3200" b="1" dirty="0">
                 <a:cs typeface="Arial" panose="020B0604020202020204" pitchFamily="34" charset="0"/>
               </a:rPr>
               <a:t>OBJETIVOS</a:t>
@@ -14182,75 +14396,58 @@
           <a:p>
             <a:pPr algn="l"/>
             <a:r>
-              <a:rPr lang="pt-BR" b="1" dirty="0">
-                <a:latin typeface="+mj-lt"/>
-              </a:rPr>
+              <a:rPr lang="pt-BR" sz="2600" b="1" dirty="0"/>
               <a:t>Geral: </a:t>
             </a:r>
+            <a:r>
+              <a:rPr lang="pt-BR" sz="2600" dirty="0"/>
+              <a:t>Desenvolver o Sistema para o Grupo De Estudos Musicais (GEM).</a:t>
+            </a:r>
           </a:p>
           <a:p>
             <a:pPr algn="l"/>
             <a:r>
-              <a:rPr lang="pt-BR" dirty="0">
-                <a:latin typeface="+mj-lt"/>
-              </a:rPr>
-              <a:t>-     Desenvolver o Sistema para o Grupo De Estudos Musicais (GEM)</a:t>
-            </a:r>
-          </a:p>
-          <a:p>
-            <a:pPr algn="l"/>
-            <a:r>
-              <a:rPr lang="pt-BR" b="1" dirty="0">
-                <a:latin typeface="+mj-lt"/>
-              </a:rPr>
+              <a:rPr lang="pt-BR" sz="2600" b="1" dirty="0"/>
               <a:t>Específico:</a:t>
             </a:r>
           </a:p>
           <a:p>
             <a:pPr marL="457200" indent="-457200" algn="l">
-              <a:buFontTx/>
-              <a:buChar char="-"/>
+              <a:buFont typeface="+mj-lt"/>
+              <a:buAutoNum type="arabicPeriod"/>
             </a:pPr>
             <a:r>
-              <a:rPr lang="pt-BR" dirty="0">
-                <a:latin typeface="+mj-lt"/>
-              </a:rPr>
+              <a:rPr lang="pt-BR" sz="2600" dirty="0"/>
               <a:t>Digitalizar a gestão do GEM</a:t>
             </a:r>
           </a:p>
           <a:p>
             <a:pPr marL="457200" indent="-457200" algn="l">
-              <a:buFontTx/>
-              <a:buChar char="-"/>
+              <a:buFont typeface="+mj-lt"/>
+              <a:buAutoNum type="arabicPeriod"/>
             </a:pPr>
             <a:r>
-              <a:rPr lang="pt-BR" dirty="0">
-                <a:latin typeface="+mj-lt"/>
-              </a:rPr>
+              <a:rPr lang="pt-BR" sz="2600" dirty="0"/>
               <a:t>Automatização de cadastros e controles</a:t>
             </a:r>
           </a:p>
           <a:p>
             <a:pPr marL="457200" indent="-457200" algn="l">
-              <a:buFontTx/>
-              <a:buChar char="-"/>
+              <a:buFont typeface="+mj-lt"/>
+              <a:buAutoNum type="arabicPeriod"/>
             </a:pPr>
             <a:r>
-              <a:rPr lang="pt-BR" dirty="0">
-                <a:latin typeface="+mj-lt"/>
-              </a:rPr>
+              <a:rPr lang="pt-BR" sz="2600" dirty="0"/>
               <a:t>Avaliar aptidão de forma automática</a:t>
             </a:r>
           </a:p>
           <a:p>
             <a:pPr marL="457200" indent="-457200" algn="l">
-              <a:buFontTx/>
-              <a:buChar char="-"/>
+              <a:buFont typeface="+mj-lt"/>
+              <a:buAutoNum type="arabicPeriod"/>
             </a:pPr>
             <a:r>
-              <a:rPr lang="pt-BR" dirty="0">
-                <a:latin typeface="+mj-lt"/>
-              </a:rPr>
+              <a:rPr lang="pt-BR" sz="2600" dirty="0"/>
               <a:t>Melhorar a comunicação interna</a:t>
             </a:r>
           </a:p>
@@ -14435,8 +14632,7 @@
           <a:lstStyle/>
           <a:p>
             <a:r>
-              <a:rPr lang="pt-BR" sz="2400" dirty="0">
-                <a:latin typeface="Arial" panose="020B0604020202020204" pitchFamily="34" charset="0"/>
+              <a:rPr lang="pt-BR" sz="3200" b="1" dirty="0">
                 <a:cs typeface="Arial" panose="020B0604020202020204" pitchFamily="34" charset="0"/>
               </a:rPr>
               <a:t>FUNDAMENTAÇÃO TEÓRICA</a:t>
@@ -14577,14 +14773,14 @@
           <p:nvPr>
             <p:extLst>
               <p:ext uri="{D42A27DB-BD31-4B8C-83A1-F6EECF244321}">
-                <p14:modId xmlns:p14="http://schemas.microsoft.com/office/powerpoint/2010/main" val="765852047"/>
+                <p14:modId xmlns:p14="http://schemas.microsoft.com/office/powerpoint/2010/main" val="1486407935"/>
               </p:ext>
             </p:extLst>
           </p:nvPr>
         </p:nvGraphicFramePr>
         <p:xfrm>
-          <a:off x="1684578" y="2613391"/>
-          <a:ext cx="8822843" cy="2310301"/>
+          <a:off x="971524" y="2627458"/>
+          <a:ext cx="10248952" cy="3069957"/>
         </p:xfrm>
         <a:graphic>
           <a:graphicData uri="http://schemas.openxmlformats.org/drawingml/2006/diagram">
@@ -14640,8 +14836,8 @@
         </p:nvSpPr>
         <p:spPr>
           <a:xfrm>
-            <a:off x="1524000" y="1694355"/>
-            <a:ext cx="9144000" cy="596296"/>
+            <a:off x="1524000" y="1564131"/>
+            <a:ext cx="9144000" cy="852210"/>
           </a:xfrm>
         </p:spPr>
         <p:txBody>
@@ -14651,8 +14847,7 @@
           <a:lstStyle/>
           <a:p>
             <a:r>
-              <a:rPr lang="pt-BR" sz="2400" dirty="0">
-                <a:latin typeface="Arial" panose="020B0604020202020204" pitchFamily="34" charset="0"/>
+              <a:rPr lang="pt-BR" sz="3200" b="1" dirty="0">
                 <a:cs typeface="Arial" panose="020B0604020202020204" pitchFamily="34" charset="0"/>
               </a:rPr>
               <a:t>METODOLOGIA</a:t>
@@ -14664,8 +14859,7 @@
               </a:rPr>
             </a:br>
             <a:r>
-              <a:rPr lang="pt-BR" sz="2400" dirty="0">
-                <a:latin typeface="Arial" panose="020B0604020202020204" pitchFamily="34" charset="0"/>
+              <a:rPr lang="pt-BR" sz="3200" b="1" dirty="0">
                 <a:cs typeface="Arial" panose="020B0604020202020204" pitchFamily="34" charset="0"/>
               </a:rPr>
               <a:t>Tipo de Pesquisa</a:t>
@@ -14691,13 +14885,13 @@
         </p:nvSpPr>
         <p:spPr>
           <a:xfrm>
-            <a:off x="1580113" y="2544160"/>
-            <a:ext cx="9750495" cy="3462745"/>
+            <a:off x="1580113" y="2544159"/>
+            <a:ext cx="9750495" cy="3828505"/>
           </a:xfrm>
         </p:spPr>
         <p:txBody>
           <a:bodyPr>
-            <a:normAutofit/>
+            <a:normAutofit fontScale="92500" lnSpcReduction="10000"/>
           </a:bodyPr>
           <a:lstStyle/>
           <a:p>
@@ -14706,7 +14900,7 @@
               <a:buChar char="-"/>
             </a:pPr>
             <a:r>
-              <a:rPr lang="pt-BR" b="1" dirty="0">
+              <a:rPr lang="pt-BR" sz="2800" b="1" dirty="0">
                 <a:effectLst/>
                 <a:latin typeface="+mj-lt"/>
                 <a:ea typeface="Calibri" panose="020F0502020204030204" pitchFamily="34" charset="0"/>
@@ -14715,24 +14909,19 @@
             </a:r>
           </a:p>
           <a:p>
+            <a:pPr marL="450850" algn="l"/>
+            <a:r>
+              <a:rPr lang="pt-BR" sz="2800" dirty="0"/>
+              <a:t>Foca em resolver problemas práticos com impacto direto na realidade, como a digitalização dos processos do GEM.</a:t>
+            </a:r>
+          </a:p>
+          <a:p>
             <a:pPr marL="457200" indent="-457200" algn="l">
               <a:buFontTx/>
               <a:buChar char="-"/>
             </a:pPr>
             <a:r>
-              <a:rPr lang="pt-BR" dirty="0">
-                <a:latin typeface="+mj-lt"/>
-              </a:rPr>
-              <a:t>Foca em resolver problemas práticos com impacto direto na realidade, como a digitalização dos processos do GEM.</a:t>
-            </a:r>
-          </a:p>
-          <a:p>
-            <a:pPr marL="457200" indent="-457200" algn="l">
-              <a:buFontTx/>
-              <a:buChar char="-"/>
-            </a:pPr>
-            <a:r>
-              <a:rPr lang="pt-BR" b="1" dirty="0">
+              <a:rPr lang="pt-BR" sz="2800" b="1" dirty="0">
                 <a:effectLst/>
                 <a:latin typeface="+mj-lt"/>
                 <a:ea typeface="Calibri" panose="020F0502020204030204" pitchFamily="34" charset="0"/>
@@ -14741,25 +14930,21 @@
             </a:r>
           </a:p>
           <a:p>
+            <a:pPr marL="450850" algn="l"/>
+            <a:r>
+              <a:rPr lang="pt-BR" sz="2800" dirty="0">
+                <a:ea typeface="Calibri" panose="020F0502020204030204" pitchFamily="34" charset="0"/>
+              </a:rPr>
+              <a:t>Aplicação desktop.</a:t>
+            </a:r>
+          </a:p>
+          <a:p>
             <a:pPr marL="457200" indent="-457200" algn="l">
               <a:buFontTx/>
               <a:buChar char="-"/>
             </a:pPr>
             <a:r>
-              <a:rPr lang="pt-BR" dirty="0">
-                <a:latin typeface="+mj-lt"/>
-                <a:ea typeface="Calibri" panose="020F0502020204030204" pitchFamily="34" charset="0"/>
-              </a:rPr>
-              <a:t>Aplicação desktop </a:t>
-            </a:r>
-          </a:p>
-          <a:p>
-            <a:pPr marL="457200" indent="-457200" algn="l">
-              <a:buFontTx/>
-              <a:buChar char="-"/>
-            </a:pPr>
-            <a:r>
-              <a:rPr lang="pt-BR" b="1" dirty="0">
+              <a:rPr lang="pt-BR" sz="2800" b="1" dirty="0">
                 <a:effectLst/>
                 <a:latin typeface="+mj-lt"/>
                 <a:ea typeface="Calibri" panose="020F0502020204030204" pitchFamily="34" charset="0"/>
@@ -14768,14 +14953,9 @@
             </a:r>
           </a:p>
           <a:p>
-            <a:pPr marL="457200" indent="-457200" algn="l">
-              <a:buFontTx/>
-              <a:buChar char="-"/>
-            </a:pPr>
+            <a:pPr marL="450850" algn="l"/>
             <a:r>
-              <a:rPr lang="pt-BR" dirty="0">
-                <a:latin typeface="+mj-lt"/>
-              </a:rPr>
+              <a:rPr lang="pt-BR" sz="2800" dirty="0"/>
               <a:t>Busca compreender experiências e percepções por meio de entrevistas, garantindo que a solução atenda às reais necessidades dos usuários.</a:t>
             </a:r>
           </a:p>
@@ -14960,8 +15140,8 @@
         </p:nvSpPr>
         <p:spPr>
           <a:xfrm>
-            <a:off x="1524000" y="1694355"/>
-            <a:ext cx="9144000" cy="596296"/>
+            <a:off x="1524000" y="1633211"/>
+            <a:ext cx="9144000" cy="852210"/>
           </a:xfrm>
         </p:spPr>
         <p:txBody>
@@ -14971,8 +15151,7 @@
           <a:lstStyle/>
           <a:p>
             <a:r>
-              <a:rPr lang="pt-BR" sz="2400" dirty="0">
-                <a:latin typeface="Arial" panose="020B0604020202020204" pitchFamily="34" charset="0"/>
+              <a:rPr lang="pt-BR" sz="3200" b="1" dirty="0">
                 <a:cs typeface="Arial" panose="020B0604020202020204" pitchFamily="34" charset="0"/>
               </a:rPr>
               <a:t>METODOLOGIA</a:t>
@@ -14984,8 +15163,7 @@
               </a:rPr>
             </a:br>
             <a:r>
-              <a:rPr lang="pt-BR" sz="2400" dirty="0">
-                <a:latin typeface="Arial" panose="020B0604020202020204" pitchFamily="34" charset="0"/>
+              <a:rPr lang="pt-BR" sz="3200" b="1" dirty="0">
                 <a:cs typeface="Arial" panose="020B0604020202020204" pitchFamily="34" charset="0"/>
               </a:rPr>
               <a:t>Coleta de Dados</a:t>
@@ -15284,8 +15462,8 @@
         </p:nvSpPr>
         <p:spPr>
           <a:xfrm>
-            <a:off x="1524000" y="1694355"/>
-            <a:ext cx="9144000" cy="596296"/>
+            <a:off x="1524000" y="1662194"/>
+            <a:ext cx="9144000" cy="977900"/>
           </a:xfrm>
         </p:spPr>
         <p:txBody>
@@ -15295,24 +15473,22 @@
           <a:lstStyle/>
           <a:p>
             <a:r>
-              <a:rPr lang="pt-BR" sz="2400" dirty="0">
-                <a:latin typeface="Arial" panose="020B0604020202020204" pitchFamily="34" charset="0"/>
-                <a:cs typeface="Arial" panose="020B0604020202020204" pitchFamily="34" charset="0"/>
+              <a:rPr lang="pt-BR" sz="3200" b="1" dirty="0">
+                <a:cs typeface="Times New Roman" panose="02020603050405020304" pitchFamily="18" charset="0"/>
               </a:rPr>
               <a:t>METODOLOGIA</a:t>
             </a:r>
             <a:br>
               <a:rPr lang="pt-BR" sz="2400" dirty="0">
-                <a:latin typeface="Arial" panose="020B0604020202020204" pitchFamily="34" charset="0"/>
-                <a:cs typeface="Arial" panose="020B0604020202020204" pitchFamily="34" charset="0"/>
+                <a:latin typeface="Times New Roman" panose="02020603050405020304" pitchFamily="18" charset="0"/>
+                <a:cs typeface="Times New Roman" panose="02020603050405020304" pitchFamily="18" charset="0"/>
               </a:rPr>
             </a:br>
             <a:r>
-              <a:rPr lang="pt-BR" sz="2400" dirty="0">
-                <a:latin typeface="Arial" panose="020B0604020202020204" pitchFamily="34" charset="0"/>
-                <a:cs typeface="Arial" panose="020B0604020202020204" pitchFamily="34" charset="0"/>
+              <a:rPr lang="pt-BR" sz="3200" b="1" dirty="0">
+                <a:cs typeface="Times New Roman" panose="02020603050405020304" pitchFamily="18" charset="0"/>
               </a:rPr>
-              <a:t>Coleta de Dados</a:t>
+              <a:t>Experimento</a:t>
             </a:r>
           </a:p>
         </p:txBody>
@@ -15350,17 +15526,19 @@
               <a:buChar char="-"/>
             </a:pPr>
             <a:r>
-              <a:rPr lang="pt-BR" b="1" dirty="0">
+              <a:rPr lang="pt-BR" sz="2600" b="1" dirty="0">
                 <a:latin typeface="+mj-lt"/>
                 <a:ea typeface="Calibri" panose="020F0502020204030204" pitchFamily="34" charset="0"/>
               </a:rPr>
-              <a:t>Revisão de Literatura</a:t>
+              <a:t>Local: </a:t>
             </a:r>
-            <a:endParaRPr lang="pt-BR" b="1" dirty="0">
-              <a:effectLst/>
-              <a:latin typeface="+mj-lt"/>
-              <a:ea typeface="Calibri" panose="020F0502020204030204" pitchFamily="34" charset="0"/>
-            </a:endParaRPr>
+          </a:p>
+          <a:p>
+            <a:pPr marL="450850" algn="l"/>
+            <a:r>
+              <a:rPr lang="pt-BR" sz="2600" dirty="0"/>
+              <a:t>Casa de oração (Morro do Nova Cintra).</a:t>
+            </a:r>
           </a:p>
           <a:p>
             <a:pPr marL="457200" indent="-457200" algn="l">
@@ -15368,10 +15546,21 @@
               <a:buChar char="-"/>
             </a:pPr>
             <a:r>
-              <a:rPr lang="pt-BR" dirty="0">
+              <a:rPr lang="pt-BR" sz="2600" b="1" dirty="0">
+                <a:effectLst/>
                 <a:latin typeface="+mj-lt"/>
+                <a:ea typeface="Calibri" panose="020F0502020204030204" pitchFamily="34" charset="0"/>
               </a:rPr>
-              <a:t>Seleção de artigos que fazem relação ao tema abordado.</a:t>
+              <a:t>Participantes: </a:t>
+            </a:r>
+          </a:p>
+          <a:p>
+            <a:pPr marL="450850" algn="l"/>
+            <a:r>
+              <a:rPr lang="pt-BR" sz="2600" dirty="0">
+                <a:ea typeface="Calibri" panose="020F0502020204030204" pitchFamily="34" charset="0"/>
+              </a:rPr>
+              <a:t>Administrador e professor do grupo de estudos musicais.</a:t>
             </a:r>
           </a:p>
           <a:p>
@@ -15379,52 +15568,28 @@
               <a:buFontTx/>
               <a:buChar char="-"/>
             </a:pPr>
+            <a:r>
+              <a:rPr lang="pt-BR" sz="2600" b="1" dirty="0">
+                <a:effectLst/>
+                <a:latin typeface="+mj-lt"/>
+                <a:ea typeface="Calibri" panose="020F0502020204030204" pitchFamily="34" charset="0"/>
+              </a:rPr>
+              <a:t>Período</a:t>
+            </a:r>
             <a:r>
               <a:rPr lang="pt-BR" b="1" dirty="0">
                 <a:effectLst/>
                 <a:latin typeface="+mj-lt"/>
                 <a:ea typeface="Calibri" panose="020F0502020204030204" pitchFamily="34" charset="0"/>
               </a:rPr>
-              <a:t>Entrevistas pessoais</a:t>
+              <a:t>:</a:t>
             </a:r>
           </a:p>
           <a:p>
-            <a:pPr marL="457200" indent="-457200" algn="l">
-              <a:buFontTx/>
-              <a:buChar char="-"/>
-            </a:pPr>
+            <a:pPr marL="450850" algn="l"/>
             <a:r>
-              <a:rPr lang="pt-BR" dirty="0">
-                <a:latin typeface="+mj-lt"/>
-                <a:ea typeface="Calibri" panose="020F0502020204030204" pitchFamily="34" charset="0"/>
-              </a:rPr>
-              <a:t>Foram realizadas entrevistas com membros da instituição que tenham cargos dentro do grupo de estudos musicais.</a:t>
-            </a:r>
-          </a:p>
-          <a:p>
-            <a:pPr marL="457200" indent="-457200" algn="l">
-              <a:buFontTx/>
-              <a:buChar char="-"/>
-            </a:pPr>
-            <a:r>
-              <a:rPr lang="pt-BR" b="1" dirty="0">
-                <a:effectLst/>
-                <a:latin typeface="+mj-lt"/>
-                <a:ea typeface="Calibri" panose="020F0502020204030204" pitchFamily="34" charset="0"/>
-              </a:rPr>
-              <a:t>Fontes Secundárias</a:t>
-            </a:r>
-          </a:p>
-          <a:p>
-            <a:pPr marL="457200" indent="-457200" algn="l">
-              <a:buFontTx/>
-              <a:buChar char="-"/>
-            </a:pPr>
-            <a:r>
-              <a:rPr lang="pt-BR" dirty="0">
-                <a:latin typeface="+mj-lt"/>
-              </a:rPr>
-              <a:t>Busca compreender experiências e percepções por meio de entrevistas, garantindo que a solução atenda às reais necessidades dos usuários.</a:t>
+              <a:rPr lang="pt-BR" sz="2600" dirty="0"/>
+              <a:t>Dia 11 de maio, durante o período noturno, teste em um computador local.</a:t>
             </a:r>
           </a:p>
           <a:p>
@@ -15590,44 +15755,6 @@
           <a:chExt cx="0" cy="0"/>
         </a:xfrm>
       </p:grpSpPr>
-      <p:sp>
-        <p:nvSpPr>
-          <p:cNvPr id="2" name="Título 1">
-            <a:extLst>
-              <a:ext uri="{FF2B5EF4-FFF2-40B4-BE49-F238E27FC236}">
-                <a16:creationId xmlns:a16="http://schemas.microsoft.com/office/drawing/2014/main" id="{5E447ACB-E7DF-4BBE-AC44-A1AC9F22CAC8}"/>
-              </a:ext>
-            </a:extLst>
-          </p:cNvPr>
-          <p:cNvSpPr>
-            <a:spLocks noGrp="1"/>
-          </p:cNvSpPr>
-          <p:nvPr>
-            <p:ph type="ctrTitle"/>
-          </p:nvPr>
-        </p:nvSpPr>
-        <p:spPr>
-          <a:xfrm>
-            <a:off x="1524000" y="1674677"/>
-            <a:ext cx="9144000" cy="598093"/>
-          </a:xfrm>
-        </p:spPr>
-        <p:txBody>
-          <a:bodyPr>
-            <a:noAutofit/>
-          </a:bodyPr>
-          <a:lstStyle/>
-          <a:p>
-            <a:r>
-              <a:rPr lang="pt-BR" sz="2400" dirty="0">
-                <a:latin typeface="Arial" panose="020B0604020202020204" pitchFamily="34" charset="0"/>
-                <a:cs typeface="Arial" panose="020B0604020202020204" pitchFamily="34" charset="0"/>
-              </a:rPr>
-              <a:t>DESENVOLVIMENTO / RESULTADOS</a:t>
-            </a:r>
-          </a:p>
-        </p:txBody>
-      </p:sp>
       <p:pic>
         <p:nvPicPr>
           <p:cNvPr id="4" name="Imagem 3">
@@ -15750,10 +15877,10 @@
       </p:pic>
       <p:pic>
         <p:nvPicPr>
-          <p:cNvPr id="7" name="Imagem 6">
+          <p:cNvPr id="8" name="Imagem 7">
             <a:extLst>
               <a:ext uri="{FF2B5EF4-FFF2-40B4-BE49-F238E27FC236}">
-                <a16:creationId xmlns:a16="http://schemas.microsoft.com/office/drawing/2014/main" id="{5707620A-1CA0-4194-A31A-91EE2B40F633}"/>
+                <a16:creationId xmlns:a16="http://schemas.microsoft.com/office/drawing/2014/main" id="{51808DD4-D2C2-404B-B539-FC6D08A17493}"/>
               </a:ext>
             </a:extLst>
           </p:cNvPr>
@@ -15761,25 +15888,73 @@
           <p:nvPr/>
         </p:nvPicPr>
         <p:blipFill>
-          <a:blip r:embed="rId5"/>
+          <a:blip r:embed="rId5">
+            <a:extLst>
+              <a:ext uri="{28A0092B-C50C-407E-A947-70E740481C1C}">
+                <a14:useLocalDpi xmlns:a14="http://schemas.microsoft.com/office/drawing/2010/main" val="0"/>
+              </a:ext>
+            </a:extLst>
+          </a:blip>
+          <a:srcRect/>
           <a:stretch>
             <a:fillRect/>
           </a:stretch>
         </p:blipFill>
-        <p:spPr>
+        <p:spPr bwMode="auto">
           <a:xfrm>
-            <a:off x="2253469" y="2272770"/>
-            <a:ext cx="7847133" cy="4022744"/>
+            <a:off x="2859363" y="2229179"/>
+            <a:ext cx="6260124" cy="4118867"/>
           </a:xfrm>
           <a:prstGeom prst="rect">
             <a:avLst/>
           </a:prstGeom>
+          <a:noFill/>
+          <a:ln>
+            <a:noFill/>
+          </a:ln>
         </p:spPr>
       </p:pic>
+      <p:sp>
+        <p:nvSpPr>
+          <p:cNvPr id="7" name="Título 1">
+            <a:extLst>
+              <a:ext uri="{FF2B5EF4-FFF2-40B4-BE49-F238E27FC236}">
+                <a16:creationId xmlns:a16="http://schemas.microsoft.com/office/drawing/2014/main" id="{27E70126-BC72-42E1-805F-84298CF9713D}"/>
+              </a:ext>
+            </a:extLst>
+          </p:cNvPr>
+          <p:cNvSpPr>
+            <a:spLocks noGrp="1"/>
+          </p:cNvSpPr>
+          <p:nvPr>
+            <p:ph type="ctrTitle"/>
+          </p:nvPr>
+        </p:nvSpPr>
+        <p:spPr>
+          <a:xfrm>
+            <a:off x="1524000" y="1536623"/>
+            <a:ext cx="9144000" cy="598093"/>
+          </a:xfrm>
+        </p:spPr>
+        <p:txBody>
+          <a:bodyPr>
+            <a:noAutofit/>
+          </a:bodyPr>
+          <a:lstStyle/>
+          <a:p>
+            <a:r>
+              <a:rPr lang="pt-BR" sz="3200" b="1" dirty="0">
+                <a:cs typeface="Arial" panose="020B0604020202020204" pitchFamily="34" charset="0"/>
+              </a:rPr>
+              <a:t>DESENVOLVIMENTO – DIAGRAMA DE CLASSE</a:t>
+            </a:r>
+          </a:p>
+        </p:txBody>
+      </p:sp>
     </p:spTree>
     <p:extLst>
       <p:ext uri="{BB962C8B-B14F-4D97-AF65-F5344CB8AC3E}">
-        <p14:creationId xmlns:p14="http://schemas.microsoft.com/office/powerpoint/2010/main" val="580873634"/>
+        <p14:creationId xmlns:p14="http://schemas.microsoft.com/office/powerpoint/2010/main" val="2424325691"/>
       </p:ext>
     </p:extLst>
   </p:cSld>
